--- a/generative_ai/generative_ai_and_us.pptx
+++ b/generative_ai/generative_ai_and_us.pptx
@@ -5,7 +5,7 @@
     <p:sldMasterId id="2147483663" r:id="rId1"/>
   </p:sldMasterIdLst>
   <p:notesMasterIdLst>
-    <p:notesMasterId r:id="rId17"/>
+    <p:notesMasterId r:id="rId18"/>
   </p:notesMasterIdLst>
   <p:sldIdLst>
     <p:sldId id="256" r:id="rId2"/>
@@ -22,7 +22,8 @@
     <p:sldId id="418" r:id="rId13"/>
     <p:sldId id="419" r:id="rId14"/>
     <p:sldId id="420" r:id="rId15"/>
-    <p:sldId id="421" r:id="rId16"/>
+    <p:sldId id="422" r:id="rId16"/>
+    <p:sldId id="421" r:id="rId17"/>
   </p:sldIdLst>
   <p:sldSz cx="9144000" cy="6858000" type="screen4x3"/>
   <p:notesSz cx="6858000" cy="9144000"/>
@@ -688,6 +689,90 @@
 </p:notes>
 </file>
 
+<file path=ppt/notesSlides/notesSlide3.xml><?xml version="1.0" encoding="utf-8"?>
+<p:notes xmlns:a="http://schemas.openxmlformats.org/drawingml/2006/main" xmlns:r="http://schemas.openxmlformats.org/officeDocument/2006/relationships" xmlns:p="http://schemas.openxmlformats.org/presentationml/2006/main">
+  <p:cSld>
+    <p:spTree>
+      <p:nvGrpSpPr>
+        <p:cNvPr id="1" name=""/>
+        <p:cNvGrpSpPr/>
+        <p:nvPr/>
+      </p:nvGrpSpPr>
+      <p:grpSpPr>
+        <a:xfrm>
+          <a:off x="0" y="0"/>
+          <a:ext cx="0" cy="0"/>
+          <a:chOff x="0" y="0"/>
+          <a:chExt cx="0" cy="0"/>
+        </a:xfrm>
+      </p:grpSpPr>
+      <p:sp>
+        <p:nvSpPr>
+          <p:cNvPr id="2" name="スライド イメージ プレースホルダー 1"/>
+          <p:cNvSpPr>
+            <a:spLocks noGrp="1" noRot="1" noChangeAspect="1"/>
+          </p:cNvSpPr>
+          <p:nvPr>
+            <p:ph type="sldImg"/>
+          </p:nvPr>
+        </p:nvSpPr>
+        <p:spPr/>
+      </p:sp>
+      <p:sp>
+        <p:nvSpPr>
+          <p:cNvPr id="3" name="ノート プレースホルダー 2"/>
+          <p:cNvSpPr>
+            <a:spLocks noGrp="1"/>
+          </p:cNvSpPr>
+          <p:nvPr>
+            <p:ph type="body" idx="1"/>
+          </p:nvPr>
+        </p:nvSpPr>
+        <p:spPr/>
+        <p:txBody>
+          <a:bodyPr/>
+          <a:lstStyle/>
+          <a:p>
+            <a:endParaRPr kumimoji="1" lang="ja-JP" altLang="en-US"/>
+          </a:p>
+        </p:txBody>
+      </p:sp>
+      <p:sp>
+        <p:nvSpPr>
+          <p:cNvPr id="4" name="スライド番号プレースホルダー 3"/>
+          <p:cNvSpPr>
+            <a:spLocks noGrp="1"/>
+          </p:cNvSpPr>
+          <p:nvPr>
+            <p:ph type="sldNum" sz="quarter" idx="5"/>
+          </p:nvPr>
+        </p:nvSpPr>
+        <p:spPr/>
+        <p:txBody>
+          <a:bodyPr/>
+          <a:lstStyle/>
+          <a:p>
+            <a:fld id="{3DFA746F-AF1F-C048-A2ED-B38EF01E9631}" type="slidenum">
+              <a:rPr lang="en-US" altLang="ja-JP" smtClean="0"/>
+              <a:t>15</a:t>
+            </a:fld>
+            <a:endParaRPr kumimoji="1" lang="ja-JP" altLang="en-US"/>
+          </a:p>
+        </p:txBody>
+      </p:sp>
+    </p:spTree>
+    <p:extLst>
+      <p:ext uri="{BB962C8B-B14F-4D97-AF65-F5344CB8AC3E}">
+        <p14:creationId xmlns:p14="http://schemas.microsoft.com/office/powerpoint/2010/main" val="3577800348"/>
+      </p:ext>
+    </p:extLst>
+  </p:cSld>
+  <p:clrMapOvr>
+    <a:masterClrMapping/>
+  </p:clrMapOvr>
+</p:notes>
+</file>
+
 <file path=ppt/slideLayouts/slideLayout1.xml><?xml version="1.0" encoding="utf-8"?>
 <p:sldLayout xmlns:a="http://schemas.openxmlformats.org/drawingml/2006/main" xmlns:r="http://schemas.openxmlformats.org/officeDocument/2006/relationships" xmlns:p="http://schemas.openxmlformats.org/presentationml/2006/main" preserve="1" userDrawn="1">
   <p:cSld name="タイトル スライド">
@@ -939,7 +1024,7 @@
             <a:pPr algn="ctr"/>
             <a:r>
               <a:rPr kumimoji="1" lang="en-US" altLang="ja-JP" sz="1400" dirty="0"/>
-              <a:t>19</a:t>
+              <a:t>16</a:t>
             </a:r>
           </a:p>
         </p:txBody>
@@ -2214,7 +2299,7 @@
         </p:nvSpPr>
         <p:spPr>
           <a:xfrm>
-            <a:off x="1619672" y="5101306"/>
+            <a:off x="1619672" y="4035782"/>
             <a:ext cx="6627135" cy="523220"/>
           </a:xfrm>
           <a:prstGeom prst="rect">
@@ -2302,7 +2387,7 @@
         </p:nvSpPr>
         <p:spPr>
           <a:xfrm>
-            <a:off x="1619672" y="3965106"/>
+            <a:off x="1619672" y="4744230"/>
             <a:ext cx="6985790" cy="954107"/>
           </a:xfrm>
           <a:prstGeom prst="rect">
@@ -3407,6 +3492,416 @@
 </file>
 
 <file path=ppt/slides/slide15.xml><?xml version="1.0" encoding="utf-8"?>
+<p:sld xmlns:a="http://schemas.openxmlformats.org/drawingml/2006/main" xmlns:r="http://schemas.openxmlformats.org/officeDocument/2006/relationships" xmlns:p="http://schemas.openxmlformats.org/presentationml/2006/main">
+  <p:cSld>
+    <p:spTree>
+      <p:nvGrpSpPr>
+        <p:cNvPr id="1" name=""/>
+        <p:cNvGrpSpPr/>
+        <p:nvPr/>
+      </p:nvGrpSpPr>
+      <p:grpSpPr>
+        <a:xfrm>
+          <a:off x="0" y="0"/>
+          <a:ext cx="0" cy="0"/>
+          <a:chOff x="0" y="0"/>
+          <a:chExt cx="0" cy="0"/>
+        </a:xfrm>
+      </p:grpSpPr>
+      <p:sp>
+        <p:nvSpPr>
+          <p:cNvPr id="2" name="テキスト プレースホルダー 1">
+            <a:extLst>
+              <a:ext uri="{FF2B5EF4-FFF2-40B4-BE49-F238E27FC236}">
+                <a16:creationId xmlns:a16="http://schemas.microsoft.com/office/drawing/2014/main" id="{9306E67D-76EA-D9E7-0D7C-A5D3DC6453DA}"/>
+              </a:ext>
+            </a:extLst>
+          </p:cNvPr>
+          <p:cNvSpPr>
+            <a:spLocks noGrp="1"/>
+          </p:cNvSpPr>
+          <p:nvPr>
+            <p:ph type="body" sz="quarter" idx="10"/>
+          </p:nvPr>
+        </p:nvSpPr>
+        <p:spPr/>
+        <p:txBody>
+          <a:bodyPr/>
+          <a:lstStyle/>
+          <a:p>
+            <a:r>
+              <a:rPr kumimoji="1" lang="ja-JP" altLang="en-US"/>
+              <a:t>付加価値をつけるということ</a:t>
+            </a:r>
+          </a:p>
+        </p:txBody>
+      </p:sp>
+      <p:sp>
+        <p:nvSpPr>
+          <p:cNvPr id="3" name="テキスト ボックス 2">
+            <a:extLst>
+              <a:ext uri="{FF2B5EF4-FFF2-40B4-BE49-F238E27FC236}">
+                <a16:creationId xmlns:a16="http://schemas.microsoft.com/office/drawing/2014/main" id="{B904BB1E-17E2-2DB9-333C-74AC06DF4FE0}"/>
+              </a:ext>
+            </a:extLst>
+          </p:cNvPr>
+          <p:cNvSpPr txBox="1"/>
+          <p:nvPr/>
+        </p:nvSpPr>
+        <p:spPr>
+          <a:xfrm>
+            <a:off x="467544" y="3382807"/>
+            <a:ext cx="8477001" cy="461665"/>
+          </a:xfrm>
+          <a:prstGeom prst="rect">
+            <a:avLst/>
+          </a:prstGeom>
+          <a:noFill/>
+          <a:ln>
+            <a:solidFill>
+              <a:schemeClr val="tx1"/>
+            </a:solidFill>
+          </a:ln>
+        </p:spPr>
+        <p:txBody>
+          <a:bodyPr wrap="none" rtlCol="0">
+            <a:spAutoFit/>
+          </a:bodyPr>
+          <a:lstStyle/>
+          <a:p>
+            <a:r>
+              <a:rPr kumimoji="1" lang="en-US" altLang="ja-JP" sz="2400" dirty="0"/>
+              <a:t>AI</a:t>
+            </a:r>
+            <a:r>
+              <a:rPr kumimoji="1" lang="ja-JP" altLang="en-US" sz="2400"/>
+              <a:t>の出力に対してリテイクを出すためには専門知識が不可欠</a:t>
+            </a:r>
+          </a:p>
+        </p:txBody>
+      </p:sp>
+      <p:sp>
+        <p:nvSpPr>
+          <p:cNvPr id="5" name="テキスト ボックス 4">
+            <a:extLst>
+              <a:ext uri="{FF2B5EF4-FFF2-40B4-BE49-F238E27FC236}">
+                <a16:creationId xmlns:a16="http://schemas.microsoft.com/office/drawing/2014/main" id="{F50D9DEC-106B-4993-A75E-D772DE4AC20E}"/>
+              </a:ext>
+            </a:extLst>
+          </p:cNvPr>
+          <p:cNvSpPr txBox="1"/>
+          <p:nvPr/>
+        </p:nvSpPr>
+        <p:spPr>
+          <a:xfrm>
+            <a:off x="251520" y="1255959"/>
+            <a:ext cx="4676280" cy="584775"/>
+          </a:xfrm>
+          <a:prstGeom prst="rect">
+            <a:avLst/>
+          </a:prstGeom>
+          <a:noFill/>
+        </p:spPr>
+        <p:txBody>
+          <a:bodyPr wrap="none" rtlCol="0">
+            <a:spAutoFit/>
+          </a:bodyPr>
+          <a:lstStyle/>
+          <a:p>
+            <a:r>
+              <a:rPr kumimoji="1" lang="en-US" altLang="ja-JP" sz="3200" dirty="0">
+                <a:solidFill>
+                  <a:srgbClr val="011893"/>
+                </a:solidFill>
+              </a:rPr>
+              <a:t>AI</a:t>
+            </a:r>
+            <a:r>
+              <a:rPr kumimoji="1" lang="ja-JP" altLang="en-US" sz="3200">
+                <a:solidFill>
+                  <a:srgbClr val="011893"/>
+                </a:solidFill>
+              </a:rPr>
+              <a:t>の出力の質を保証する</a:t>
+            </a:r>
+          </a:p>
+        </p:txBody>
+      </p:sp>
+      <p:sp>
+        <p:nvSpPr>
+          <p:cNvPr id="6" name="テキスト ボックス 5">
+            <a:extLst>
+              <a:ext uri="{FF2B5EF4-FFF2-40B4-BE49-F238E27FC236}">
+                <a16:creationId xmlns:a16="http://schemas.microsoft.com/office/drawing/2014/main" id="{5EDAB037-03B0-B8AA-663E-9A2EC38F8CDB}"/>
+              </a:ext>
+            </a:extLst>
+          </p:cNvPr>
+          <p:cNvSpPr txBox="1"/>
+          <p:nvPr/>
+        </p:nvSpPr>
+        <p:spPr>
+          <a:xfrm>
+            <a:off x="274914" y="1920922"/>
+            <a:ext cx="8280920" cy="1323439"/>
+          </a:xfrm>
+          <a:prstGeom prst="rect">
+            <a:avLst/>
+          </a:prstGeom>
+          <a:noFill/>
+        </p:spPr>
+        <p:txBody>
+          <a:bodyPr wrap="square" rtlCol="0">
+            <a:spAutoFit/>
+          </a:bodyPr>
+          <a:lstStyle/>
+          <a:p>
+            <a:pPr marL="285750" indent="-285750">
+              <a:buFont typeface="Arial" panose="020B0604020202020204" pitchFamily="34" charset="0"/>
+              <a:buChar char="•"/>
+            </a:pPr>
+            <a:r>
+              <a:rPr lang="en-US" altLang="ja-JP" sz="2000" dirty="0"/>
+              <a:t>AI</a:t>
+            </a:r>
+            <a:r>
+              <a:rPr lang="ja-JP" altLang="en-US" sz="2000"/>
+              <a:t>が出力したコードのセキュリティホールに気づいて修正</a:t>
+            </a:r>
+            <a:endParaRPr lang="en-US" altLang="ja-JP" sz="2000" dirty="0"/>
+          </a:p>
+          <a:p>
+            <a:pPr marL="285750" indent="-285750">
+              <a:buFont typeface="Arial" panose="020B0604020202020204" pitchFamily="34" charset="0"/>
+              <a:buChar char="•"/>
+            </a:pPr>
+            <a:r>
+              <a:rPr kumimoji="1" lang="en-US" altLang="ja-JP" sz="2000" dirty="0"/>
+              <a:t>AI</a:t>
+            </a:r>
+            <a:r>
+              <a:rPr kumimoji="1" lang="ja-JP" altLang="en-US" sz="2000"/>
+              <a:t>が出力したコードの計算量が無駄に大きいことに気づいて修正</a:t>
+            </a:r>
+            <a:endParaRPr kumimoji="1" lang="en-US" altLang="ja-JP" sz="2000" dirty="0"/>
+          </a:p>
+          <a:p>
+            <a:pPr marL="285750" indent="-285750">
+              <a:buFont typeface="Arial" panose="020B0604020202020204" pitchFamily="34" charset="0"/>
+              <a:buChar char="•"/>
+            </a:pPr>
+            <a:r>
+              <a:rPr lang="en-US" altLang="ja-JP" sz="2000" dirty="0"/>
+              <a:t>AI</a:t>
+            </a:r>
+            <a:r>
+              <a:rPr lang="ja-JP" altLang="en-US" sz="2000"/>
+              <a:t>が出力した文章の言葉遣いが業界では一般的でないことに気づいて修正</a:t>
+            </a:r>
+            <a:endParaRPr kumimoji="1" lang="ja-JP" altLang="en-US" sz="2000"/>
+          </a:p>
+        </p:txBody>
+      </p:sp>
+      <p:sp>
+        <p:nvSpPr>
+          <p:cNvPr id="7" name="テキスト ボックス 6">
+            <a:extLst>
+              <a:ext uri="{FF2B5EF4-FFF2-40B4-BE49-F238E27FC236}">
+                <a16:creationId xmlns:a16="http://schemas.microsoft.com/office/drawing/2014/main" id="{4E9A2690-4280-C0F5-4ACA-8C10DF7869F2}"/>
+              </a:ext>
+            </a:extLst>
+          </p:cNvPr>
+          <p:cNvSpPr txBox="1"/>
+          <p:nvPr/>
+        </p:nvSpPr>
+        <p:spPr>
+          <a:xfrm>
+            <a:off x="225624" y="4038969"/>
+            <a:ext cx="7548861" cy="584775"/>
+          </a:xfrm>
+          <a:prstGeom prst="rect">
+            <a:avLst/>
+          </a:prstGeom>
+          <a:noFill/>
+        </p:spPr>
+        <p:txBody>
+          <a:bodyPr wrap="none" rtlCol="0">
+            <a:spAutoFit/>
+          </a:bodyPr>
+          <a:lstStyle/>
+          <a:p>
+            <a:r>
+              <a:rPr kumimoji="1" lang="en-US" altLang="ja-JP" sz="3200" dirty="0">
+                <a:solidFill>
+                  <a:srgbClr val="011893"/>
+                </a:solidFill>
+              </a:rPr>
+              <a:t>AI</a:t>
+            </a:r>
+            <a:r>
+              <a:rPr lang="ja-JP" altLang="en-US" sz="3200">
+                <a:solidFill>
+                  <a:srgbClr val="011893"/>
+                </a:solidFill>
+              </a:rPr>
+              <a:t>に投げるプロンプトのレベルを上げる</a:t>
+            </a:r>
+            <a:endParaRPr kumimoji="1" lang="ja-JP" altLang="en-US" sz="3200">
+              <a:solidFill>
+                <a:srgbClr val="011893"/>
+              </a:solidFill>
+            </a:endParaRPr>
+          </a:p>
+        </p:txBody>
+      </p:sp>
+      <p:sp>
+        <p:nvSpPr>
+          <p:cNvPr id="8" name="テキスト ボックス 7">
+            <a:extLst>
+              <a:ext uri="{FF2B5EF4-FFF2-40B4-BE49-F238E27FC236}">
+                <a16:creationId xmlns:a16="http://schemas.microsoft.com/office/drawing/2014/main" id="{E7D6E1A6-127F-C1AA-6272-E9A4421CDF55}"/>
+              </a:ext>
+            </a:extLst>
+          </p:cNvPr>
+          <p:cNvSpPr txBox="1"/>
+          <p:nvPr/>
+        </p:nvSpPr>
+        <p:spPr>
+          <a:xfrm>
+            <a:off x="397157" y="4667310"/>
+            <a:ext cx="8349683" cy="1015663"/>
+          </a:xfrm>
+          <a:prstGeom prst="rect">
+            <a:avLst/>
+          </a:prstGeom>
+          <a:noFill/>
+        </p:spPr>
+        <p:txBody>
+          <a:bodyPr wrap="square" rtlCol="0">
+            <a:spAutoFit/>
+          </a:bodyPr>
+          <a:lstStyle/>
+          <a:p>
+            <a:pPr marL="342900" indent="-342900">
+              <a:buFont typeface="Arial" panose="020B0604020202020204" pitchFamily="34" charset="0"/>
+              <a:buChar char="•"/>
+            </a:pPr>
+            <a:r>
+              <a:rPr kumimoji="1" lang="ja-JP" altLang="en-US" sz="2000"/>
+              <a:t>「面白いゲームを作って」←誰でも思いつく</a:t>
+            </a:r>
+            <a:endParaRPr lang="en-US" altLang="ja-JP" sz="2000" dirty="0"/>
+          </a:p>
+          <a:p>
+            <a:pPr marL="342900" indent="-342900">
+              <a:buFont typeface="Arial" panose="020B0604020202020204" pitchFamily="34" charset="0"/>
+              <a:buChar char="•"/>
+            </a:pPr>
+            <a:r>
+              <a:rPr lang="ja-JP" altLang="en-US" sz="2000"/>
+              <a:t>「</a:t>
+            </a:r>
+            <a:r>
+              <a:rPr lang="en-US" altLang="ja-JP" sz="2000" dirty="0"/>
+              <a:t>X</a:t>
+            </a:r>
+            <a:r>
+              <a:rPr lang="ja-JP" altLang="en-US" sz="2000"/>
+              <a:t>と</a:t>
+            </a:r>
+            <a:r>
+              <a:rPr lang="en-US" altLang="ja-JP" sz="2000" dirty="0"/>
+              <a:t>Y</a:t>
+            </a:r>
+            <a:r>
+              <a:rPr lang="ja-JP" altLang="en-US" sz="2000"/>
+              <a:t>を組み合わせたゲームを作って」←</a:t>
+            </a:r>
+            <a:r>
+              <a:rPr lang="en-US" altLang="ja-JP" sz="2000" dirty="0"/>
+              <a:t>X</a:t>
+            </a:r>
+            <a:r>
+              <a:rPr lang="ja-JP" altLang="en-US" sz="2000"/>
+              <a:t>と</a:t>
+            </a:r>
+            <a:r>
+              <a:rPr lang="en-US" altLang="ja-JP" sz="2000" dirty="0"/>
+              <a:t>Y</a:t>
+            </a:r>
+            <a:r>
+              <a:rPr lang="ja-JP" altLang="en-US" sz="2000"/>
+              <a:t>を同時に知っている必要がある</a:t>
+            </a:r>
+            <a:endParaRPr kumimoji="1" lang="ja-JP" altLang="en-US" sz="2000"/>
+          </a:p>
+        </p:txBody>
+      </p:sp>
+      <p:sp>
+        <p:nvSpPr>
+          <p:cNvPr id="9" name="テキスト ボックス 8">
+            <a:extLst>
+              <a:ext uri="{FF2B5EF4-FFF2-40B4-BE49-F238E27FC236}">
+                <a16:creationId xmlns:a16="http://schemas.microsoft.com/office/drawing/2014/main" id="{38C626AD-E63E-1245-0638-BE122C1B3937}"/>
+              </a:ext>
+            </a:extLst>
+          </p:cNvPr>
+          <p:cNvSpPr txBox="1"/>
+          <p:nvPr/>
+        </p:nvSpPr>
+        <p:spPr>
+          <a:xfrm>
+            <a:off x="310945" y="5907423"/>
+            <a:ext cx="7571303" cy="461665"/>
+          </a:xfrm>
+          <a:prstGeom prst="rect">
+            <a:avLst/>
+          </a:prstGeom>
+          <a:noFill/>
+          <a:ln>
+            <a:solidFill>
+              <a:schemeClr val="tx1"/>
+            </a:solidFill>
+          </a:ln>
+        </p:spPr>
+        <p:txBody>
+          <a:bodyPr wrap="none" rtlCol="0">
+            <a:spAutoFit/>
+          </a:bodyPr>
+          <a:lstStyle/>
+          <a:p>
+            <a:r>
+              <a:rPr kumimoji="1" lang="ja-JP" altLang="en-US" sz="2400"/>
+              <a:t>「</a:t>
+            </a:r>
+            <a:r>
+              <a:rPr kumimoji="1" lang="ja-JP" altLang="en-US" sz="2400">
+                <a:solidFill>
+                  <a:srgbClr val="FF0000"/>
+                </a:solidFill>
+              </a:rPr>
+              <a:t>あなたらしさ</a:t>
+            </a:r>
+            <a:r>
+              <a:rPr kumimoji="1" lang="ja-JP" altLang="en-US" sz="2400"/>
+              <a:t>はなにか？」に答えられるようにする</a:t>
+            </a:r>
+          </a:p>
+        </p:txBody>
+      </p:sp>
+    </p:spTree>
+    <p:extLst>
+      <p:ext uri="{BB962C8B-B14F-4D97-AF65-F5344CB8AC3E}">
+        <p14:creationId xmlns:p14="http://schemas.microsoft.com/office/powerpoint/2010/main" val="1321354769"/>
+      </p:ext>
+    </p:extLst>
+  </p:cSld>
+  <p:clrMapOvr>
+    <a:masterClrMapping/>
+  </p:clrMapOvr>
+</p:sld>
+</file>
+
+<file path=ppt/slides/slide16.xml><?xml version="1.0" encoding="utf-8"?>
 <p:sld xmlns:a="http://schemas.openxmlformats.org/drawingml/2006/main" xmlns:r="http://schemas.openxmlformats.org/officeDocument/2006/relationships" xmlns:p="http://schemas.openxmlformats.org/presentationml/2006/main">
   <p:cSld>
     <p:spTree>

--- a/generative_ai/generative_ai_and_us.pptx
+++ b/generative_ai/generative_ai_and_us.pptx
@@ -14,7 +14,7 @@
     <p:sldId id="409" r:id="rId5"/>
     <p:sldId id="410" r:id="rId6"/>
     <p:sldId id="411" r:id="rId7"/>
-    <p:sldId id="412" r:id="rId8"/>
+    <p:sldId id="423" r:id="rId8"/>
     <p:sldId id="413" r:id="rId9"/>
     <p:sldId id="414" r:id="rId10"/>
     <p:sldId id="417" r:id="rId11"/>
@@ -223,7 +223,7 @@
           <a:p>
             <a:fld id="{6B8D1B20-A248-FB47-8240-73C0C5F47C9D}" type="datetimeFigureOut">
               <a:rPr lang="ja-JP" altLang="en-US"/>
-              <a:t>2025/10/1</a:t>
+              <a:t>2025/10/2</a:t>
             </a:fld>
             <a:endParaRPr kumimoji="1" lang="ja-JP" altLang="en-US"/>
           </a:p>
@@ -2517,6 +2517,53 @@
           </a:p>
         </p:txBody>
       </p:sp>
+      <p:sp>
+        <p:nvSpPr>
+          <p:cNvPr id="11" name="テキスト ボックス 10">
+            <a:extLst>
+              <a:ext uri="{FF2B5EF4-FFF2-40B4-BE49-F238E27FC236}">
+                <a16:creationId xmlns:a16="http://schemas.microsoft.com/office/drawing/2014/main" id="{0828CA86-2580-CD29-37D7-8F33718FB53B}"/>
+              </a:ext>
+            </a:extLst>
+          </p:cNvPr>
+          <p:cNvSpPr txBox="1"/>
+          <p:nvPr/>
+        </p:nvSpPr>
+        <p:spPr>
+          <a:xfrm>
+            <a:off x="255819" y="3550267"/>
+            <a:ext cx="1210588" cy="707886"/>
+          </a:xfrm>
+          <a:prstGeom prst="rect">
+            <a:avLst/>
+          </a:prstGeom>
+          <a:noFill/>
+        </p:spPr>
+        <p:txBody>
+          <a:bodyPr wrap="none" rtlCol="0">
+            <a:spAutoFit/>
+          </a:bodyPr>
+          <a:lstStyle/>
+          <a:p>
+            <a:r>
+              <a:rPr kumimoji="1" lang="ja-JP" altLang="en-US" sz="2000"/>
+              <a:t>どこまで</a:t>
+            </a:r>
+            <a:endParaRPr kumimoji="1" lang="en-US" altLang="ja-JP" sz="2000" dirty="0"/>
+          </a:p>
+          <a:p>
+            <a:r>
+              <a:rPr lang="en-US" altLang="ja-JP" sz="2000" dirty="0"/>
+              <a:t>OK</a:t>
+            </a:r>
+            <a:r>
+              <a:rPr lang="ja-JP" altLang="en-US" sz="2000"/>
+              <a:t>？</a:t>
+            </a:r>
+            <a:endParaRPr kumimoji="1" lang="ja-JP" altLang="en-US" sz="2000"/>
+          </a:p>
+        </p:txBody>
+      </p:sp>
     </p:spTree>
     <p:extLst>
       <p:ext uri="{BB962C8B-B14F-4D97-AF65-F5344CB8AC3E}">
@@ -3197,6 +3244,64 @@
       </p:grpSpPr>
       <p:sp>
         <p:nvSpPr>
+          <p:cNvPr id="9" name="角丸四角形吹き出し 8">
+            <a:extLst>
+              <a:ext uri="{FF2B5EF4-FFF2-40B4-BE49-F238E27FC236}">
+                <a16:creationId xmlns:a16="http://schemas.microsoft.com/office/drawing/2014/main" id="{3F73ECC2-1C83-F545-2DAA-32D497201954}"/>
+              </a:ext>
+            </a:extLst>
+          </p:cNvPr>
+          <p:cNvSpPr/>
+          <p:nvPr/>
+        </p:nvSpPr>
+        <p:spPr>
+          <a:xfrm>
+            <a:off x="1513003" y="1028932"/>
+            <a:ext cx="4302297" cy="584775"/>
+          </a:xfrm>
+          <a:prstGeom prst="wedgeRoundRectCallout">
+            <a:avLst>
+              <a:gd name="adj1" fmla="val -54284"/>
+              <a:gd name="adj2" fmla="val 34967"/>
+              <a:gd name="adj3" fmla="val 16667"/>
+            </a:avLst>
+          </a:prstGeom>
+          <a:solidFill>
+            <a:schemeClr val="bg1"/>
+          </a:solidFill>
+          <a:ln>
+            <a:solidFill>
+              <a:schemeClr val="tx1"/>
+            </a:solidFill>
+          </a:ln>
+        </p:spPr>
+        <p:style>
+          <a:lnRef idx="2">
+            <a:schemeClr val="accent1">
+              <a:shade val="50000"/>
+            </a:schemeClr>
+          </a:lnRef>
+          <a:fillRef idx="1">
+            <a:schemeClr val="accent1"/>
+          </a:fillRef>
+          <a:effectRef idx="0">
+            <a:schemeClr val="accent1"/>
+          </a:effectRef>
+          <a:fontRef idx="minor">
+            <a:schemeClr val="lt1"/>
+          </a:fontRef>
+        </p:style>
+        <p:txBody>
+          <a:bodyPr rtlCol="0" anchor="ctr"/>
+          <a:lstStyle/>
+          <a:p>
+            <a:pPr algn="ctr"/>
+            <a:endParaRPr kumimoji="1" lang="ja-JP" altLang="en-US"/>
+          </a:p>
+        </p:txBody>
+      </p:sp>
+      <p:sp>
+        <p:nvSpPr>
           <p:cNvPr id="2" name="テキスト プレースホルダー 1">
             <a:extLst>
               <a:ext uri="{FF2B5EF4-FFF2-40B4-BE49-F238E27FC236}">
@@ -3225,10 +3330,10 @@
       </p:sp>
       <p:sp>
         <p:nvSpPr>
-          <p:cNvPr id="3" name="テキスト ボックス 2">
-            <a:extLst>
-              <a:ext uri="{FF2B5EF4-FFF2-40B4-BE49-F238E27FC236}">
-                <a16:creationId xmlns:a16="http://schemas.microsoft.com/office/drawing/2014/main" id="{CD73E5A7-BCE9-A0BB-F1FD-761385743E8F}"/>
+          <p:cNvPr id="7" name="テキスト ボックス 6">
+            <a:extLst>
+              <a:ext uri="{FF2B5EF4-FFF2-40B4-BE49-F238E27FC236}">
+                <a16:creationId xmlns:a16="http://schemas.microsoft.com/office/drawing/2014/main" id="{67F6B96D-C976-28F8-A365-1A6408353B41}"/>
               </a:ext>
             </a:extLst>
           </p:cNvPr>
@@ -3237,8 +3342,194 @@
         </p:nvSpPr>
         <p:spPr>
           <a:xfrm>
-            <a:off x="34347" y="2406436"/>
-            <a:ext cx="7922029" cy="1200329"/>
+            <a:off x="1638836" y="1090486"/>
+            <a:ext cx="3262432" cy="461665"/>
+          </a:xfrm>
+          <a:prstGeom prst="rect">
+            <a:avLst/>
+          </a:prstGeom>
+          <a:noFill/>
+        </p:spPr>
+        <p:txBody>
+          <a:bodyPr wrap="none" rtlCol="0">
+            <a:spAutoFit/>
+          </a:bodyPr>
+          <a:lstStyle/>
+          <a:p>
+            <a:r>
+              <a:rPr kumimoji="1" lang="ja-JP" altLang="en-US" sz="2400"/>
+              <a:t>ファクトチェックして</a:t>
+            </a:r>
+          </a:p>
+        </p:txBody>
+      </p:sp>
+      <p:pic>
+        <p:nvPicPr>
+          <p:cNvPr id="8" name="Picture 2" descr="玩具のロボットのイラスト（青）">
+            <a:extLst>
+              <a:ext uri="{FF2B5EF4-FFF2-40B4-BE49-F238E27FC236}">
+                <a16:creationId xmlns:a16="http://schemas.microsoft.com/office/drawing/2014/main" id="{D5C15B81-12D5-F2FC-279F-4B5A765EC0FB}"/>
+              </a:ext>
+            </a:extLst>
+          </p:cNvPr>
+          <p:cNvPicPr>
+            <a:picLocks noChangeAspect="1" noChangeArrowheads="1"/>
+          </p:cNvPicPr>
+          <p:nvPr/>
+        </p:nvPicPr>
+        <p:blipFill>
+          <a:blip r:embed="rId2">
+            <a:extLst>
+              <a:ext uri="{28A0092B-C50C-407E-A947-70E740481C1C}">
+                <a14:useLocalDpi xmlns:a14="http://schemas.microsoft.com/office/drawing/2010/main" val="0"/>
+              </a:ext>
+            </a:extLst>
+          </a:blip>
+          <a:srcRect/>
+          <a:stretch>
+            <a:fillRect/>
+          </a:stretch>
+        </p:blipFill>
+        <p:spPr bwMode="auto">
+          <a:xfrm>
+            <a:off x="8154107" y="2318878"/>
+            <a:ext cx="865041" cy="1054928"/>
+          </a:xfrm>
+          <a:prstGeom prst="rect">
+            <a:avLst/>
+          </a:prstGeom>
+          <a:noFill/>
+          <a:extLst>
+            <a:ext uri="{909E8E84-426E-40DD-AFC4-6F175D3DCCD1}">
+              <a14:hiddenFill xmlns:a14="http://schemas.microsoft.com/office/drawing/2010/main">
+                <a:solidFill>
+                  <a:srgbClr val="FFFFFF"/>
+                </a:solidFill>
+              </a14:hiddenFill>
+            </a:ext>
+          </a:extLst>
+        </p:spPr>
+      </p:pic>
+      <p:pic>
+        <p:nvPicPr>
+          <p:cNvPr id="1026" name="Picture 2" descr="パソコンを使う会社員のイラスト（女性・笑顔）">
+            <a:extLst>
+              <a:ext uri="{FF2B5EF4-FFF2-40B4-BE49-F238E27FC236}">
+                <a16:creationId xmlns:a16="http://schemas.microsoft.com/office/drawing/2014/main" id="{97065F28-98B5-B5E8-E39B-AEC427E2D413}"/>
+              </a:ext>
+            </a:extLst>
+          </p:cNvPr>
+          <p:cNvPicPr>
+            <a:picLocks noChangeAspect="1" noChangeArrowheads="1"/>
+          </p:cNvPicPr>
+          <p:nvPr/>
+        </p:nvPicPr>
+        <p:blipFill>
+          <a:blip r:embed="rId3">
+            <a:extLst>
+              <a:ext uri="{28A0092B-C50C-407E-A947-70E740481C1C}">
+                <a14:useLocalDpi xmlns:a14="http://schemas.microsoft.com/office/drawing/2010/main" val="0"/>
+              </a:ext>
+            </a:extLst>
+          </a:blip>
+          <a:srcRect/>
+          <a:stretch>
+            <a:fillRect/>
+          </a:stretch>
+        </p:blipFill>
+        <p:spPr bwMode="auto">
+          <a:xfrm>
+            <a:off x="270684" y="1028933"/>
+            <a:ext cx="1026294" cy="1490468"/>
+          </a:xfrm>
+          <a:prstGeom prst="rect">
+            <a:avLst/>
+          </a:prstGeom>
+          <a:noFill/>
+          <a:extLst>
+            <a:ext uri="{909E8E84-426E-40DD-AFC4-6F175D3DCCD1}">
+              <a14:hiddenFill xmlns:a14="http://schemas.microsoft.com/office/drawing/2010/main">
+                <a:solidFill>
+                  <a:srgbClr val="FFFFFF"/>
+                </a:solidFill>
+              </a14:hiddenFill>
+            </a:ext>
+          </a:extLst>
+        </p:spPr>
+      </p:pic>
+      <p:sp>
+        <p:nvSpPr>
+          <p:cNvPr id="10" name="四角形吹き出し 9">
+            <a:extLst>
+              <a:ext uri="{FF2B5EF4-FFF2-40B4-BE49-F238E27FC236}">
+                <a16:creationId xmlns:a16="http://schemas.microsoft.com/office/drawing/2014/main" id="{DBC84435-B991-3B46-A92A-3635ECFC156B}"/>
+              </a:ext>
+            </a:extLst>
+          </p:cNvPr>
+          <p:cNvSpPr/>
+          <p:nvPr/>
+        </p:nvSpPr>
+        <p:spPr>
+          <a:xfrm>
+            <a:off x="1459178" y="2015345"/>
+            <a:ext cx="6462537" cy="885796"/>
+          </a:xfrm>
+          <a:prstGeom prst="wedgeRectCallout">
+            <a:avLst>
+              <a:gd name="adj1" fmla="val 53134"/>
+              <a:gd name="adj2" fmla="val 27549"/>
+            </a:avLst>
+          </a:prstGeom>
+          <a:solidFill>
+            <a:schemeClr val="bg1"/>
+          </a:solidFill>
+          <a:ln>
+            <a:solidFill>
+              <a:srgbClr val="FF0000"/>
+            </a:solidFill>
+          </a:ln>
+        </p:spPr>
+        <p:style>
+          <a:lnRef idx="2">
+            <a:schemeClr val="accent1">
+              <a:shade val="50000"/>
+            </a:schemeClr>
+          </a:lnRef>
+          <a:fillRef idx="1">
+            <a:schemeClr val="accent1"/>
+          </a:fillRef>
+          <a:effectRef idx="0">
+            <a:schemeClr val="accent1"/>
+          </a:effectRef>
+          <a:fontRef idx="minor">
+            <a:schemeClr val="lt1"/>
+          </a:fontRef>
+        </p:style>
+        <p:txBody>
+          <a:bodyPr rtlCol="0" anchor="ctr"/>
+          <a:lstStyle/>
+          <a:p>
+            <a:pPr algn="ctr"/>
+            <a:endParaRPr kumimoji="1" lang="ja-JP" altLang="en-US"/>
+          </a:p>
+        </p:txBody>
+      </p:sp>
+      <p:sp>
+        <p:nvSpPr>
+          <p:cNvPr id="11" name="テキスト ボックス 10">
+            <a:extLst>
+              <a:ext uri="{FF2B5EF4-FFF2-40B4-BE49-F238E27FC236}">
+                <a16:creationId xmlns:a16="http://schemas.microsoft.com/office/drawing/2014/main" id="{A017C83E-7116-80F9-42A6-5EE91F1FB67D}"/>
+              </a:ext>
+            </a:extLst>
+          </p:cNvPr>
+          <p:cNvSpPr txBox="1"/>
+          <p:nvPr/>
+        </p:nvSpPr>
+        <p:spPr>
+          <a:xfrm>
+            <a:off x="1513003" y="2015345"/>
+            <a:ext cx="6408712" cy="830997"/>
           </a:xfrm>
           <a:prstGeom prst="rect">
             <a:avLst/>
@@ -3253,47 +3544,41 @@
           <a:p>
             <a:r>
               <a:rPr kumimoji="1" lang="ja-JP" altLang="en-US" sz="2400"/>
-              <a:t>「検索エンジンがあるから、覚えることに意味はない」</a:t>
-            </a:r>
-            <a:endParaRPr kumimoji="1" lang="en-US" altLang="ja-JP" sz="2400" dirty="0"/>
-          </a:p>
-          <a:p>
+              <a:t>はい、これは事実です。</a:t>
+            </a:r>
             <a:r>
               <a:rPr lang="ja-JP" altLang="en-US" sz="2400"/>
-              <a:t>→</a:t>
+              <a:t>確かに</a:t>
             </a:r>
             <a:r>
               <a:rPr lang="en-US" altLang="ja-JP" sz="2400" dirty="0"/>
-              <a:t> </a:t>
+              <a:t>X</a:t>
             </a:r>
             <a:r>
               <a:rPr lang="ja-JP" altLang="en-US" sz="2400"/>
-              <a:t>知らないことはそもそも検索できない</a:t>
-            </a:r>
-            <a:endParaRPr lang="en-US" altLang="ja-JP" sz="2400" dirty="0"/>
-          </a:p>
-          <a:p>
-            <a:r>
-              <a:rPr kumimoji="1" lang="ja-JP" altLang="en-US" sz="2400"/>
-              <a:t>→</a:t>
-            </a:r>
-            <a:r>
-              <a:rPr kumimoji="1" lang="en-US" altLang="ja-JP" sz="2400" dirty="0"/>
-              <a:t> </a:t>
-            </a:r>
-            <a:r>
-              <a:rPr kumimoji="1" lang="ja-JP" altLang="en-US" sz="2400"/>
-              <a:t>検索して出てきたものが正しいか判断できない</a:t>
-            </a:r>
-          </a:p>
-        </p:txBody>
-      </p:sp>
-      <p:sp>
-        <p:nvSpPr>
-          <p:cNvPr id="4" name="テキスト ボックス 3">
-            <a:extLst>
-              <a:ext uri="{FF2B5EF4-FFF2-40B4-BE49-F238E27FC236}">
-                <a16:creationId xmlns:a16="http://schemas.microsoft.com/office/drawing/2014/main" id="{A78C0E09-CB6F-D9D7-9A32-23E8B0849D0A}"/>
+              <a:t>が原因で</a:t>
+            </a:r>
+            <a:r>
+              <a:rPr lang="en-US" altLang="ja-JP" sz="2400" dirty="0"/>
+              <a:t>Y</a:t>
+            </a:r>
+            <a:r>
+              <a:rPr lang="ja-JP" altLang="en-US" sz="2400"/>
+              <a:t>となることがあります。その理由は</a:t>
+            </a:r>
+            <a:r>
+              <a:rPr lang="en-US" altLang="ja-JP" sz="2400" dirty="0"/>
+              <a:t>……</a:t>
+            </a:r>
+          </a:p>
+        </p:txBody>
+      </p:sp>
+      <p:sp>
+        <p:nvSpPr>
+          <p:cNvPr id="12" name="テキスト ボックス 11">
+            <a:extLst>
+              <a:ext uri="{FF2B5EF4-FFF2-40B4-BE49-F238E27FC236}">
+                <a16:creationId xmlns:a16="http://schemas.microsoft.com/office/drawing/2014/main" id="{31519A51-C75F-6092-48B6-FE0F62902066}"/>
               </a:ext>
             </a:extLst>
           </p:cNvPr>
@@ -3302,8 +3587,126 @@
         </p:nvSpPr>
         <p:spPr>
           <a:xfrm>
-            <a:off x="34347" y="3858468"/>
-            <a:ext cx="7571303" cy="830997"/>
+            <a:off x="135873" y="3117323"/>
+            <a:ext cx="7785842" cy="1323439"/>
+          </a:xfrm>
+          <a:prstGeom prst="rect">
+            <a:avLst/>
+          </a:prstGeom>
+          <a:noFill/>
+        </p:spPr>
+        <p:txBody>
+          <a:bodyPr wrap="square" rtlCol="0">
+            <a:spAutoFit/>
+          </a:bodyPr>
+          <a:lstStyle/>
+          <a:p>
+            <a:r>
+              <a:rPr lang="ja-JP" altLang="en-US" sz="2000"/>
+              <a:t>この出力が、</a:t>
+            </a:r>
+            <a:r>
+              <a:rPr lang="en-US" altLang="ja-JP" sz="2000" dirty="0"/>
+              <a:t>AI</a:t>
+            </a:r>
+            <a:r>
+              <a:rPr lang="ja-JP" altLang="en-US" sz="2000"/>
+              <a:t>がもともと持っていた知識</a:t>
+            </a:r>
+            <a:r>
+              <a:rPr lang="en-US" altLang="ja-JP" sz="2000" dirty="0"/>
+              <a:t>(</a:t>
+            </a:r>
+            <a:r>
+              <a:rPr lang="ja-JP" altLang="en-US" sz="2000"/>
+              <a:t>事実</a:t>
+            </a:r>
+            <a:r>
+              <a:rPr lang="en-US" altLang="ja-JP" sz="2000" dirty="0"/>
+              <a:t>)</a:t>
+            </a:r>
+            <a:r>
+              <a:rPr lang="ja-JP" altLang="en-US" sz="2000"/>
+              <a:t>なのか、それとも推論なのか判別できなければファクトチェックにならない。</a:t>
+            </a:r>
+            <a:endParaRPr lang="en-US" altLang="ja-JP" sz="2000" dirty="0"/>
+          </a:p>
+          <a:p>
+            <a:r>
+              <a:rPr lang="ja-JP" altLang="en-US" sz="2000"/>
+              <a:t>しかし、</a:t>
+            </a:r>
+            <a:r>
+              <a:rPr lang="en-US" altLang="ja-JP" sz="2000" dirty="0"/>
+              <a:t>AI</a:t>
+            </a:r>
+            <a:r>
+              <a:rPr lang="ja-JP" altLang="en-US" sz="2000"/>
+              <a:t>出力が事実なのか推論なのか判断できるならもともとファクトチェックは不要</a:t>
+            </a:r>
+            <a:endParaRPr lang="en-US" altLang="ja-JP" sz="2000" dirty="0"/>
+          </a:p>
+        </p:txBody>
+      </p:sp>
+      <p:cxnSp>
+        <p:nvCxnSpPr>
+          <p:cNvPr id="14" name="直線矢印コネクタ 13">
+            <a:extLst>
+              <a:ext uri="{FF2B5EF4-FFF2-40B4-BE49-F238E27FC236}">
+                <a16:creationId xmlns:a16="http://schemas.microsoft.com/office/drawing/2014/main" id="{7EB356AD-367E-4500-0438-006ED501C4FD}"/>
+              </a:ext>
+            </a:extLst>
+          </p:cNvPr>
+          <p:cNvCxnSpPr/>
+          <p:nvPr/>
+        </p:nvCxnSpPr>
+        <p:spPr>
+          <a:xfrm flipV="1">
+            <a:off x="973304" y="2658323"/>
+            <a:ext cx="341858" cy="360040"/>
+          </a:xfrm>
+          <a:prstGeom prst="straightConnector1">
+            <a:avLst/>
+          </a:prstGeom>
+          <a:ln>
+            <a:solidFill>
+              <a:schemeClr val="tx1"/>
+            </a:solidFill>
+            <a:headEnd type="none" w="med" len="med"/>
+            <a:tailEnd type="triangle"/>
+          </a:ln>
+        </p:spPr>
+        <p:style>
+          <a:lnRef idx="1">
+            <a:schemeClr val="accent1"/>
+          </a:lnRef>
+          <a:fillRef idx="0">
+            <a:schemeClr val="accent1"/>
+          </a:fillRef>
+          <a:effectRef idx="0">
+            <a:schemeClr val="accent1"/>
+          </a:effectRef>
+          <a:fontRef idx="minor">
+            <a:schemeClr val="tx1"/>
+          </a:fontRef>
+        </p:style>
+      </p:cxnSp>
+      <p:sp>
+        <p:nvSpPr>
+          <p:cNvPr id="16" name="テキスト ボックス 15">
+            <a:extLst>
+              <a:ext uri="{FF2B5EF4-FFF2-40B4-BE49-F238E27FC236}">
+                <a16:creationId xmlns:a16="http://schemas.microsoft.com/office/drawing/2014/main" id="{5E07FC03-F351-235B-8B57-A34AA009B66C}"/>
+              </a:ext>
+            </a:extLst>
+          </p:cNvPr>
+          <p:cNvSpPr txBox="1"/>
+          <p:nvPr/>
+        </p:nvSpPr>
+        <p:spPr>
+          <a:xfrm>
+            <a:off x="779572" y="4386788"/>
+            <a:ext cx="7571303" cy="461665"/>
           </a:xfrm>
           <a:prstGeom prst="rect">
             <a:avLst/>
@@ -3317,34 +3720,22 @@
           <a:lstStyle/>
           <a:p>
             <a:r>
-              <a:rPr kumimoji="1" lang="ja-JP" altLang="en-US" sz="2400"/>
-              <a:t>「翻訳アプリがあるから、外国語を学ぶ意味はない」</a:t>
-            </a:r>
-            <a:endParaRPr kumimoji="1" lang="en-US" altLang="ja-JP" sz="2400" dirty="0"/>
-          </a:p>
-          <a:p>
-            <a:r>
-              <a:rPr lang="ja-JP" altLang="en-US" sz="2400"/>
-              <a:t>→</a:t>
-            </a:r>
-            <a:r>
-              <a:rPr lang="en-US" altLang="ja-JP" sz="2400" dirty="0"/>
-              <a:t> </a:t>
-            </a:r>
-            <a:r>
-              <a:rPr lang="ja-JP" altLang="en-US" sz="2400"/>
-              <a:t>出力された結果が正しいか判断できない</a:t>
-            </a:r>
-            <a:endParaRPr kumimoji="1" lang="ja-JP" altLang="en-US" sz="2400"/>
-          </a:p>
-        </p:txBody>
-      </p:sp>
-      <p:sp>
-        <p:nvSpPr>
-          <p:cNvPr id="5" name="テキスト ボックス 4">
-            <a:extLst>
-              <a:ext uri="{FF2B5EF4-FFF2-40B4-BE49-F238E27FC236}">
-                <a16:creationId xmlns:a16="http://schemas.microsoft.com/office/drawing/2014/main" id="{CB76F3CA-CA6B-78A7-2DC0-DFB669699845}"/>
+              <a:rPr kumimoji="1" lang="ja-JP" altLang="en-US" sz="2400">
+                <a:solidFill>
+                  <a:srgbClr val="FF0000"/>
+                </a:solidFill>
+              </a:rPr>
+              <a:t>「ファクトチェックして」というプロンプトは無意味</a:t>
+            </a:r>
+          </a:p>
+        </p:txBody>
+      </p:sp>
+      <p:sp>
+        <p:nvSpPr>
+          <p:cNvPr id="17" name="テキスト ボックス 16">
+            <a:extLst>
+              <a:ext uri="{FF2B5EF4-FFF2-40B4-BE49-F238E27FC236}">
+                <a16:creationId xmlns:a16="http://schemas.microsoft.com/office/drawing/2014/main" id="{C261044A-4DF8-0603-7778-BDF341470497}"/>
               </a:ext>
             </a:extLst>
           </p:cNvPr>
@@ -3353,8 +3744,8 @@
         </p:nvSpPr>
         <p:spPr>
           <a:xfrm>
-            <a:off x="34347" y="954404"/>
-            <a:ext cx="8775907" cy="1200329"/>
+            <a:off x="140890" y="4970336"/>
+            <a:ext cx="8147367" cy="923330"/>
           </a:xfrm>
           <a:prstGeom prst="rect">
             <a:avLst/>
@@ -3368,33 +3759,18 @@
           <a:lstStyle/>
           <a:p>
             <a:r>
-              <a:rPr lang="ja-JP" altLang="en-US" sz="2400"/>
-              <a:t>「電卓があるから、九九や筆算を学ぶ必要がない」</a:t>
-            </a:r>
-            <a:endParaRPr lang="en-US" altLang="ja-JP" sz="2400" dirty="0"/>
-          </a:p>
-          <a:p>
-            <a:r>
-              <a:rPr kumimoji="1" lang="ja-JP" altLang="en-US" sz="2400"/>
-              <a:t>→</a:t>
-            </a:r>
-            <a:r>
-              <a:rPr kumimoji="1" lang="en-US" altLang="ja-JP" sz="2400" dirty="0"/>
-              <a:t> </a:t>
-            </a:r>
-            <a:r>
-              <a:rPr kumimoji="1" lang="ja-JP" altLang="en-US" sz="2400"/>
-              <a:t>計算ができないと「数の感覚」が身につかず、データの間違いや異常に気づかない</a:t>
-            </a:r>
-          </a:p>
-        </p:txBody>
-      </p:sp>
-      <p:sp>
-        <p:nvSpPr>
-          <p:cNvPr id="6" name="テキスト ボックス 5">
-            <a:extLst>
-              <a:ext uri="{FF2B5EF4-FFF2-40B4-BE49-F238E27FC236}">
-                <a16:creationId xmlns:a16="http://schemas.microsoft.com/office/drawing/2014/main" id="{4618A6D9-2022-0E8E-66E7-88F9046583DA}"/>
+              <a:rPr kumimoji="1" lang="ja-JP" altLang="en-US"/>
+              <a:t>「事実かどうか判別できる資料を教えて」などと聞いて、外部資料にあたってチェックする。そもそも「真実」と「嘘」の二元論で捉えず、「どの程度確からしいか」を自分なりに分類して判断を保留すること。</a:t>
+            </a:r>
+          </a:p>
+        </p:txBody>
+      </p:sp>
+      <p:sp>
+        <p:nvSpPr>
+          <p:cNvPr id="18" name="テキスト ボックス 17">
+            <a:extLst>
+              <a:ext uri="{FF2B5EF4-FFF2-40B4-BE49-F238E27FC236}">
+                <a16:creationId xmlns:a16="http://schemas.microsoft.com/office/drawing/2014/main" id="{26828D50-C85A-C7FD-D951-FB21C9A5799D}"/>
               </a:ext>
             </a:extLst>
           </p:cNvPr>
@@ -3403,8 +3779,8 @@
         </p:nvSpPr>
         <p:spPr>
           <a:xfrm>
-            <a:off x="34347" y="4941168"/>
-            <a:ext cx="7553671" cy="1569660"/>
+            <a:off x="-165560" y="6027554"/>
+            <a:ext cx="8784777" cy="461665"/>
           </a:xfrm>
           <a:prstGeom prst="rect">
             <a:avLst/>
@@ -3418,63 +3794,29 @@
           <a:lstStyle/>
           <a:p>
             <a:r>
-              <a:rPr kumimoji="1" lang="ja-JP" altLang="en-US" sz="2400"/>
+              <a:rPr kumimoji="1" lang="ja-JP" altLang="en-US" sz="2400">
+                <a:solidFill>
+                  <a:srgbClr val="FF0000"/>
+                </a:solidFill>
+              </a:rPr>
               <a:t>「</a:t>
             </a:r>
             <a:r>
-              <a:rPr kumimoji="1" lang="en-US" altLang="ja-JP" sz="2400" dirty="0"/>
+              <a:rPr kumimoji="1" lang="en-US" altLang="ja-JP" sz="2400" dirty="0">
+                <a:solidFill>
+                  <a:srgbClr val="FF0000"/>
+                </a:solidFill>
+              </a:rPr>
               <a:t>AI</a:t>
             </a:r>
             <a:r>
-              <a:rPr kumimoji="1" lang="ja-JP" altLang="en-US" sz="2400"/>
-              <a:t>があるから、プログラミングを学ぶ必要はない」</a:t>
-            </a:r>
-            <a:endParaRPr kumimoji="1" lang="en-US" altLang="ja-JP" sz="2400" dirty="0"/>
-          </a:p>
-          <a:p>
-            <a:r>
-              <a:rPr lang="ja-JP" altLang="en-US" sz="2400"/>
-              <a:t>→</a:t>
-            </a:r>
-            <a:r>
-              <a:rPr lang="en-US" altLang="ja-JP" sz="2400" dirty="0"/>
-              <a:t> </a:t>
-            </a:r>
-            <a:r>
-              <a:rPr lang="ja-JP" altLang="en-US" sz="2400"/>
-              <a:t>生成されたコードの正しさがわからない</a:t>
-            </a:r>
-            <a:endParaRPr lang="en-US" altLang="ja-JP" sz="2400" dirty="0"/>
-          </a:p>
-          <a:p>
-            <a:r>
-              <a:rPr kumimoji="1" lang="ja-JP" altLang="en-US" sz="2400"/>
-              <a:t>→</a:t>
-            </a:r>
-            <a:r>
-              <a:rPr kumimoji="1" lang="en-US" altLang="ja-JP" sz="2400" dirty="0"/>
-              <a:t> </a:t>
-            </a:r>
-            <a:r>
-              <a:rPr kumimoji="1" lang="ja-JP" altLang="en-US" sz="2400"/>
-              <a:t>セキュリティホールにも気づかない</a:t>
-            </a:r>
-            <a:endParaRPr kumimoji="1" lang="en-US" altLang="ja-JP" sz="2400" dirty="0"/>
-          </a:p>
-          <a:p>
-            <a:r>
-              <a:rPr lang="ja-JP" altLang="en-US" sz="2400"/>
-              <a:t>→</a:t>
-            </a:r>
-            <a:r>
-              <a:rPr lang="en-US" altLang="ja-JP" sz="2400" dirty="0"/>
-              <a:t> </a:t>
-            </a:r>
-            <a:r>
-              <a:rPr lang="ja-JP" altLang="en-US" sz="2400"/>
-              <a:t>理解できないから保守できない</a:t>
-            </a:r>
-            <a:endParaRPr kumimoji="1" lang="ja-JP" altLang="en-US" sz="2400"/>
+              <a:rPr kumimoji="1" lang="ja-JP" altLang="en-US" sz="2400">
+                <a:solidFill>
+                  <a:srgbClr val="FF0000"/>
+                </a:solidFill>
+              </a:rPr>
+              <a:t>がこう言っていたから自分の責任ではない」は通用しない</a:t>
+            </a:r>
           </a:p>
         </p:txBody>
       </p:sp>
@@ -3550,7 +3892,7 @@
         </p:nvSpPr>
         <p:spPr>
           <a:xfrm>
-            <a:off x="467544" y="3382807"/>
+            <a:off x="333499" y="3348884"/>
             <a:ext cx="8477001" cy="461665"/>
           </a:xfrm>
           <a:prstGeom prst="rect">
@@ -3595,7 +3937,7 @@
         <p:spPr>
           <a:xfrm>
             <a:off x="251520" y="1255959"/>
-            <a:ext cx="4676280" cy="584775"/>
+            <a:ext cx="5907386" cy="584775"/>
           </a:xfrm>
           <a:prstGeom prst="rect">
             <a:avLst/>
@@ -3622,7 +3964,7 @@
                   <a:srgbClr val="011893"/>
                 </a:solidFill>
               </a:rPr>
-              <a:t>の出力の質を保証する</a:t>
+              <a:t>の出力の質を保証、改善する</a:t>
             </a:r>
           </a:p>
         </p:txBody>
@@ -3641,8 +3983,8 @@
         </p:nvSpPr>
         <p:spPr>
           <a:xfrm>
-            <a:off x="274914" y="1920922"/>
-            <a:ext cx="8280920" cy="1323439"/>
+            <a:off x="114902" y="1861722"/>
+            <a:ext cx="8869086" cy="1323439"/>
           </a:xfrm>
           <a:prstGeom prst="rect">
             <a:avLst/>
@@ -3697,7 +4039,17 @@
               <a:rPr lang="ja-JP" altLang="en-US" sz="2000"/>
               <a:t>が出力した文章の言葉遣いが業界では一般的でないことに気づいて修正</a:t>
             </a:r>
-            <a:endParaRPr kumimoji="1" lang="ja-JP" altLang="en-US" sz="2000"/>
+            <a:endParaRPr lang="en-US" altLang="ja-JP" sz="2000" dirty="0"/>
+          </a:p>
+          <a:p>
+            <a:pPr marL="285750" indent="-285750">
+              <a:buFont typeface="Arial" panose="020B0604020202020204" pitchFamily="34" charset="0"/>
+              <a:buChar char="•"/>
+            </a:pPr>
+            <a:r>
+              <a:rPr kumimoji="1" lang="ja-JP" altLang="en-US" sz="2000"/>
+              <a:t>上記の問題がないことを確認してから自分の責任で提出</a:t>
+            </a:r>
           </a:p>
         </p:txBody>
       </p:sp>
@@ -3715,7 +4067,7 @@
         </p:nvSpPr>
         <p:spPr>
           <a:xfrm>
-            <a:off x="225624" y="4038969"/>
+            <a:off x="201283" y="4038968"/>
             <a:ext cx="7548861" cy="584775"/>
           </a:xfrm>
           <a:prstGeom prst="rect">
@@ -3767,7 +4119,7 @@
         </p:nvSpPr>
         <p:spPr>
           <a:xfrm>
-            <a:off x="397157" y="4667310"/>
+            <a:off x="304184" y="4700637"/>
             <a:ext cx="8349683" cy="1015663"/>
           </a:xfrm>
           <a:prstGeom prst="rect">
@@ -3830,7 +4182,7 @@
             </a:r>
             <a:r>
               <a:rPr lang="ja-JP" altLang="en-US" sz="2000"/>
-              <a:t>を同時に知っている必要がある</a:t>
+              <a:t>を両方知らないと思いつかない</a:t>
             </a:r>
             <a:endParaRPr kumimoji="1" lang="ja-JP" altLang="en-US" sz="2000"/>
           </a:p>
@@ -3850,7 +4202,7 @@
         </p:nvSpPr>
         <p:spPr>
           <a:xfrm>
-            <a:off x="310945" y="5907423"/>
+            <a:off x="357028" y="5949280"/>
             <a:ext cx="7571303" cy="461665"/>
           </a:xfrm>
           <a:prstGeom prst="rect">
@@ -4198,52 +4550,6 @@
           </a:p>
         </p:txBody>
       </p:sp>
-      <p:sp>
-        <p:nvSpPr>
-          <p:cNvPr id="11" name="正方形/長方形 10">
-            <a:extLst>
-              <a:ext uri="{FF2B5EF4-FFF2-40B4-BE49-F238E27FC236}">
-                <a16:creationId xmlns:a16="http://schemas.microsoft.com/office/drawing/2014/main" id="{96C79DF2-198C-DE47-915C-0D56DF520568}"/>
-              </a:ext>
-            </a:extLst>
-          </p:cNvPr>
-          <p:cNvSpPr/>
-          <p:nvPr/>
-        </p:nvSpPr>
-        <p:spPr>
-          <a:xfrm>
-            <a:off x="287016" y="1179016"/>
-            <a:ext cx="8101408" cy="523220"/>
-          </a:xfrm>
-          <a:prstGeom prst="rect">
-            <a:avLst/>
-          </a:prstGeom>
-        </p:spPr>
-        <p:txBody>
-          <a:bodyPr wrap="square">
-            <a:spAutoFit/>
-          </a:bodyPr>
-          <a:lstStyle/>
-          <a:p>
-            <a:r>
-              <a:rPr lang="en-US" altLang="ja-JP" sz="2800" dirty="0"/>
-              <a:t>Q:</a:t>
-            </a:r>
-            <a:r>
-              <a:rPr lang="ja-JP" altLang="en-US" sz="2800"/>
-              <a:t>なぜ生成</a:t>
-            </a:r>
-            <a:r>
-              <a:rPr lang="en-US" altLang="ja-JP" sz="2800" dirty="0"/>
-              <a:t>AI</a:t>
-            </a:r>
-            <a:r>
-              <a:rPr lang="ja-JP" altLang="en-US" sz="2800"/>
-              <a:t>でレポートを作成してはいけないか</a:t>
-            </a:r>
-          </a:p>
-        </p:txBody>
-      </p:sp>
       <p:pic>
         <p:nvPicPr>
           <p:cNvPr id="1026" name="Picture 2" descr="スーツを着た男性のイラスト（疑問に思う顔）">
@@ -4321,6 +4627,52 @@
             <a:r>
               <a:rPr lang="ja-JP" altLang="en-US" sz="3200"/>
               <a:t>不正だから？</a:t>
+            </a:r>
+          </a:p>
+        </p:txBody>
+      </p:sp>
+      <p:sp>
+        <p:nvSpPr>
+          <p:cNvPr id="4" name="正方形/長方形 3">
+            <a:extLst>
+              <a:ext uri="{FF2B5EF4-FFF2-40B4-BE49-F238E27FC236}">
+                <a16:creationId xmlns:a16="http://schemas.microsoft.com/office/drawing/2014/main" id="{738A5C32-0209-2376-667D-78277C504FEA}"/>
+              </a:ext>
+            </a:extLst>
+          </p:cNvPr>
+          <p:cNvSpPr/>
+          <p:nvPr/>
+        </p:nvSpPr>
+        <p:spPr>
+          <a:xfrm>
+            <a:off x="287016" y="1179016"/>
+            <a:ext cx="8461448" cy="523220"/>
+          </a:xfrm>
+          <a:prstGeom prst="rect">
+            <a:avLst/>
+          </a:prstGeom>
+        </p:spPr>
+        <p:txBody>
+          <a:bodyPr wrap="square">
+            <a:spAutoFit/>
+          </a:bodyPr>
+          <a:lstStyle/>
+          <a:p>
+            <a:r>
+              <a:rPr lang="en-US" altLang="ja-JP" sz="2800" dirty="0"/>
+              <a:t>Q:</a:t>
+            </a:r>
+            <a:r>
+              <a:rPr lang="ja-JP" altLang="en-US" sz="2800"/>
+              <a:t>なぜ生成</a:t>
+            </a:r>
+            <a:r>
+              <a:rPr lang="en-US" altLang="ja-JP" sz="2800" dirty="0"/>
+              <a:t>AI</a:t>
+            </a:r>
+            <a:r>
+              <a:rPr lang="ja-JP" altLang="en-US" sz="2800"/>
+              <a:t>でレポートを作成してはならないか？</a:t>
             </a:r>
           </a:p>
         </p:txBody>
@@ -4412,7 +4764,7 @@
         <p:spPr>
           <a:xfrm>
             <a:off x="287016" y="1179016"/>
-            <a:ext cx="8101408" cy="523220"/>
+            <a:ext cx="8461448" cy="523220"/>
           </a:xfrm>
           <a:prstGeom prst="rect">
             <a:avLst/>
@@ -4438,7 +4790,7 @@
             </a:r>
             <a:r>
               <a:rPr lang="ja-JP" altLang="en-US" sz="2800"/>
-              <a:t>でレポートを作成してはいけないか</a:t>
+              <a:t>でレポートを作成してはならないか？</a:t>
             </a:r>
           </a:p>
         </p:txBody>
@@ -5994,7 +6346,13 @@
   <p:cSld>
     <p:spTree>
       <p:nvGrpSpPr>
-        <p:cNvPr id="1" name=""/>
+        <p:cNvPr id="1" name="">
+          <a:extLst>
+            <a:ext uri="{FF2B5EF4-FFF2-40B4-BE49-F238E27FC236}">
+              <a16:creationId xmlns:a16="http://schemas.microsoft.com/office/drawing/2014/main" id="{46796835-3A70-FF62-264B-46914339E517}"/>
+            </a:ext>
+          </a:extLst>
+        </p:cNvPr>
         <p:cNvGrpSpPr/>
         <p:nvPr/>
       </p:nvGrpSpPr>
@@ -6008,226 +6366,10 @@
       </p:grpSpPr>
       <p:sp>
         <p:nvSpPr>
-          <p:cNvPr id="2" name="テキスト プレースホルダー 1">
-            <a:extLst>
-              <a:ext uri="{FF2B5EF4-FFF2-40B4-BE49-F238E27FC236}">
-                <a16:creationId xmlns:a16="http://schemas.microsoft.com/office/drawing/2014/main" id="{6611B61B-9177-92B0-97C2-DE8BFEFDDCC1}"/>
-              </a:ext>
-            </a:extLst>
-          </p:cNvPr>
-          <p:cNvSpPr>
-            <a:spLocks noGrp="1"/>
-          </p:cNvSpPr>
-          <p:nvPr>
-            <p:ph type="body" sz="quarter" idx="10"/>
-          </p:nvPr>
-        </p:nvSpPr>
-        <p:spPr/>
-        <p:txBody>
-          <a:bodyPr/>
-          <a:lstStyle/>
-          <a:p>
-            <a:r>
-              <a:rPr lang="en-US" altLang="ja-JP" dirty="0"/>
-              <a:t>AI</a:t>
-            </a:r>
-            <a:r>
-              <a:rPr lang="ja-JP" altLang="en-US"/>
-              <a:t>と仕事</a:t>
-            </a:r>
-          </a:p>
-        </p:txBody>
-      </p:sp>
-      <p:sp>
-        <p:nvSpPr>
-          <p:cNvPr id="3" name="テキスト ボックス 2">
-            <a:extLst>
-              <a:ext uri="{FF2B5EF4-FFF2-40B4-BE49-F238E27FC236}">
-                <a16:creationId xmlns:a16="http://schemas.microsoft.com/office/drawing/2014/main" id="{937B7D3D-5672-9B47-6041-782E27AF9757}"/>
-              </a:ext>
-            </a:extLst>
-          </p:cNvPr>
-          <p:cNvSpPr txBox="1"/>
-          <p:nvPr/>
-        </p:nvSpPr>
-        <p:spPr>
-          <a:xfrm>
-            <a:off x="179513" y="1124744"/>
-            <a:ext cx="8568952" cy="830997"/>
-          </a:xfrm>
-          <a:prstGeom prst="rect">
-            <a:avLst/>
-          </a:prstGeom>
-          <a:noFill/>
-        </p:spPr>
-        <p:txBody>
-          <a:bodyPr wrap="square" rtlCol="0">
-            <a:spAutoFit/>
-          </a:bodyPr>
-          <a:lstStyle/>
-          <a:p>
-            <a:r>
-              <a:rPr kumimoji="1" lang="ja-JP" altLang="en-US" sz="2400"/>
-              <a:t>上司から仕事に関して質問されても、内容を理解していないので全て</a:t>
-            </a:r>
-            <a:r>
-              <a:rPr kumimoji="1" lang="en-US" altLang="ja-JP" sz="2400" dirty="0"/>
-              <a:t>AI</a:t>
-            </a:r>
-            <a:r>
-              <a:rPr kumimoji="1" lang="ja-JP" altLang="en-US" sz="2400"/>
-              <a:t>に聞くことになる</a:t>
-            </a:r>
-          </a:p>
-        </p:txBody>
-      </p:sp>
-      <p:pic>
-        <p:nvPicPr>
-          <p:cNvPr id="4" name="Picture 2" descr="玩具のロボットのイラスト（青）">
-            <a:extLst>
-              <a:ext uri="{FF2B5EF4-FFF2-40B4-BE49-F238E27FC236}">
-                <a16:creationId xmlns:a16="http://schemas.microsoft.com/office/drawing/2014/main" id="{016D1F35-5E61-8B15-B462-D83D754E31EF}"/>
-              </a:ext>
-            </a:extLst>
-          </p:cNvPr>
-          <p:cNvPicPr>
-            <a:picLocks noChangeAspect="1" noChangeArrowheads="1"/>
-          </p:cNvPicPr>
-          <p:nvPr/>
-        </p:nvPicPr>
-        <p:blipFill>
-          <a:blip r:embed="rId2">
-            <a:extLst>
-              <a:ext uri="{28A0092B-C50C-407E-A947-70E740481C1C}">
-                <a14:useLocalDpi xmlns:a14="http://schemas.microsoft.com/office/drawing/2010/main" val="0"/>
-              </a:ext>
-            </a:extLst>
-          </a:blip>
-          <a:srcRect/>
-          <a:stretch>
-            <a:fillRect/>
-          </a:stretch>
-        </p:blipFill>
-        <p:spPr bwMode="auto">
-          <a:xfrm>
-            <a:off x="7397527" y="2872934"/>
-            <a:ext cx="1138585" cy="1388518"/>
-          </a:xfrm>
-          <a:prstGeom prst="rect">
-            <a:avLst/>
-          </a:prstGeom>
-          <a:noFill/>
-          <a:extLst>
-            <a:ext uri="{909E8E84-426E-40DD-AFC4-6F175D3DCCD1}">
-              <a14:hiddenFill xmlns:a14="http://schemas.microsoft.com/office/drawing/2010/main">
-                <a:solidFill>
-                  <a:srgbClr val="FFFFFF"/>
-                </a:solidFill>
-              </a14:hiddenFill>
-            </a:ext>
-          </a:extLst>
-        </p:spPr>
-      </p:pic>
-      <p:pic>
-        <p:nvPicPr>
-          <p:cNvPr id="5" name="Picture 4" descr="パソコンを使うサラリーマンのイラスト">
-            <a:extLst>
-              <a:ext uri="{FF2B5EF4-FFF2-40B4-BE49-F238E27FC236}">
-                <a16:creationId xmlns:a16="http://schemas.microsoft.com/office/drawing/2014/main" id="{A396ED5E-E1CA-39EE-29ED-0413B7A9E9E5}"/>
-              </a:ext>
-            </a:extLst>
-          </p:cNvPr>
-          <p:cNvPicPr>
-            <a:picLocks noChangeAspect="1" noChangeArrowheads="1"/>
-          </p:cNvPicPr>
-          <p:nvPr/>
-        </p:nvPicPr>
-        <p:blipFill>
-          <a:blip r:embed="rId3">
-            <a:extLst>
-              <a:ext uri="{28A0092B-C50C-407E-A947-70E740481C1C}">
-                <a14:useLocalDpi xmlns:a14="http://schemas.microsoft.com/office/drawing/2010/main" val="0"/>
-              </a:ext>
-            </a:extLst>
-          </a:blip>
-          <a:srcRect/>
-          <a:stretch>
-            <a:fillRect/>
-          </a:stretch>
-        </p:blipFill>
-        <p:spPr bwMode="auto">
-          <a:xfrm>
-            <a:off x="323528" y="2845982"/>
-            <a:ext cx="1452580" cy="1459880"/>
-          </a:xfrm>
-          <a:prstGeom prst="rect">
-            <a:avLst/>
-          </a:prstGeom>
-          <a:noFill/>
-          <a:extLst>
-            <a:ext uri="{909E8E84-426E-40DD-AFC4-6F175D3DCCD1}">
-              <a14:hiddenFill xmlns:a14="http://schemas.microsoft.com/office/drawing/2010/main">
-                <a:solidFill>
-                  <a:srgbClr val="FFFFFF"/>
-                </a:solidFill>
-              </a14:hiddenFill>
-            </a:ext>
-          </a:extLst>
-        </p:spPr>
-      </p:pic>
-      <p:pic>
-        <p:nvPicPr>
-          <p:cNvPr id="6" name="Picture 6" descr="会社で働く人のイラスト（男性）">
-            <a:extLst>
-              <a:ext uri="{FF2B5EF4-FFF2-40B4-BE49-F238E27FC236}">
-                <a16:creationId xmlns:a16="http://schemas.microsoft.com/office/drawing/2014/main" id="{B2B186B4-F4DC-87D8-C609-DEFF94D5FED8}"/>
-              </a:ext>
-            </a:extLst>
-          </p:cNvPr>
-          <p:cNvPicPr>
-            <a:picLocks noChangeAspect="1" noChangeArrowheads="1"/>
-          </p:cNvPicPr>
-          <p:nvPr/>
-        </p:nvPicPr>
-        <p:blipFill>
-          <a:blip r:embed="rId4">
-            <a:extLst>
-              <a:ext uri="{28A0092B-C50C-407E-A947-70E740481C1C}">
-                <a14:useLocalDpi xmlns:a14="http://schemas.microsoft.com/office/drawing/2010/main" val="0"/>
-              </a:ext>
-            </a:extLst>
-          </a:blip>
-          <a:srcRect/>
-          <a:stretch>
-            <a:fillRect/>
-          </a:stretch>
-        </p:blipFill>
-        <p:spPr bwMode="auto">
-          <a:xfrm>
-            <a:off x="3791440" y="2890393"/>
-            <a:ext cx="1371059" cy="1371059"/>
-          </a:xfrm>
-          <a:prstGeom prst="rect">
-            <a:avLst/>
-          </a:prstGeom>
-          <a:noFill/>
-          <a:extLst>
-            <a:ext uri="{909E8E84-426E-40DD-AFC4-6F175D3DCCD1}">
-              <a14:hiddenFill xmlns:a14="http://schemas.microsoft.com/office/drawing/2010/main">
-                <a:solidFill>
-                  <a:srgbClr val="FFFFFF"/>
-                </a:solidFill>
-              </a14:hiddenFill>
-            </a:ext>
-          </a:extLst>
-        </p:spPr>
-      </p:pic>
-      <p:sp>
-        <p:nvSpPr>
-          <p:cNvPr id="7" name="右矢印 6">
-            <a:extLst>
-              <a:ext uri="{FF2B5EF4-FFF2-40B4-BE49-F238E27FC236}">
-                <a16:creationId xmlns:a16="http://schemas.microsoft.com/office/drawing/2014/main" id="{647112C9-B090-EC80-246E-1E4E63845453}"/>
+          <p:cNvPr id="25" name="角丸四角形吹き出し 24">
+            <a:extLst>
+              <a:ext uri="{FF2B5EF4-FFF2-40B4-BE49-F238E27FC236}">
+                <a16:creationId xmlns:a16="http://schemas.microsoft.com/office/drawing/2014/main" id="{35BECF31-B325-D43F-617E-32247E55E209}"/>
               </a:ext>
             </a:extLst>
           </p:cNvPr>
@@ -6236,14 +6378,18 @@
         </p:nvSpPr>
         <p:spPr>
           <a:xfrm>
-            <a:off x="1776108" y="2996952"/>
-            <a:ext cx="1715772" cy="432048"/>
-          </a:xfrm>
-          <a:prstGeom prst="rightArrow">
-            <a:avLst/>
+            <a:off x="3961298" y="4420268"/>
+            <a:ext cx="1351714" cy="562954"/>
+          </a:xfrm>
+          <a:prstGeom prst="wedgeRoundRectCallout">
+            <a:avLst>
+              <a:gd name="adj1" fmla="val -28149"/>
+              <a:gd name="adj2" fmla="val -75605"/>
+              <a:gd name="adj3" fmla="val 16667"/>
+            </a:avLst>
           </a:prstGeom>
           <a:solidFill>
-            <a:srgbClr val="FF0000"/>
+            <a:schemeClr val="bg1"/>
           </a:solidFill>
           <a:ln>
             <a:solidFill>
@@ -6278,10 +6424,61 @@
       </p:sp>
       <p:sp>
         <p:nvSpPr>
-          <p:cNvPr id="8" name="右矢印 7">
-            <a:extLst>
-              <a:ext uri="{FF2B5EF4-FFF2-40B4-BE49-F238E27FC236}">
-                <a16:creationId xmlns:a16="http://schemas.microsoft.com/office/drawing/2014/main" id="{F1BCD421-A289-154A-BAE6-05B81FBB04BF}"/>
+          <p:cNvPr id="26" name="テキスト ボックス 25">
+            <a:extLst>
+              <a:ext uri="{FF2B5EF4-FFF2-40B4-BE49-F238E27FC236}">
+                <a16:creationId xmlns:a16="http://schemas.microsoft.com/office/drawing/2014/main" id="{55E012C8-6ABC-A8B1-5CFE-D2E210A7A4EF}"/>
+              </a:ext>
+            </a:extLst>
+          </p:cNvPr>
+          <p:cNvSpPr txBox="1"/>
+          <p:nvPr/>
+        </p:nvSpPr>
+        <p:spPr>
+          <a:xfrm>
+            <a:off x="4064445" y="4470912"/>
+            <a:ext cx="1210588" cy="461665"/>
+          </a:xfrm>
+          <a:prstGeom prst="rect">
+            <a:avLst/>
+          </a:prstGeom>
+          <a:noFill/>
+        </p:spPr>
+        <p:txBody>
+          <a:bodyPr wrap="none" rtlCol="0">
+            <a:spAutoFit/>
+          </a:bodyPr>
+          <a:lstStyle/>
+          <a:p>
+            <a:r>
+              <a:rPr kumimoji="1" lang="ja-JP" altLang="en-US" sz="1200"/>
+              <a:t>それは</a:t>
+            </a:r>
+            <a:r>
+              <a:rPr kumimoji="1" lang="en-US" altLang="ja-JP" sz="1200" dirty="0"/>
+              <a:t>X</a:t>
+            </a:r>
+            <a:r>
+              <a:rPr kumimoji="1" lang="ja-JP" altLang="en-US" sz="1200"/>
+              <a:t>だから</a:t>
+            </a:r>
+            <a:endParaRPr kumimoji="1" lang="en-US" altLang="ja-JP" sz="1200" dirty="0"/>
+          </a:p>
+          <a:p>
+            <a:r>
+              <a:rPr lang="ja-JP" altLang="en-US" sz="1200"/>
+              <a:t>だそうです</a:t>
+            </a:r>
+            <a:endParaRPr kumimoji="1" lang="ja-JP" altLang="en-US" sz="1200"/>
+          </a:p>
+        </p:txBody>
+      </p:sp>
+      <p:sp>
+        <p:nvSpPr>
+          <p:cNvPr id="21" name="角丸四角形吹き出し 20">
+            <a:extLst>
+              <a:ext uri="{FF2B5EF4-FFF2-40B4-BE49-F238E27FC236}">
+                <a16:creationId xmlns:a16="http://schemas.microsoft.com/office/drawing/2014/main" id="{761FCA60-46D7-210E-4F2A-630EE7B11981}"/>
               </a:ext>
             </a:extLst>
           </p:cNvPr>
@@ -6290,14 +6487,18 @@
         </p:nvSpPr>
         <p:spPr>
           <a:xfrm>
-            <a:off x="5652120" y="2996952"/>
-            <a:ext cx="1715772" cy="432048"/>
-          </a:xfrm>
-          <a:prstGeom prst="rightArrow">
-            <a:avLst/>
+            <a:off x="4161605" y="2209135"/>
+            <a:ext cx="1351714" cy="562954"/>
+          </a:xfrm>
+          <a:prstGeom prst="wedgeRoundRectCallout">
+            <a:avLst>
+              <a:gd name="adj1" fmla="val -33786"/>
+              <a:gd name="adj2" fmla="val 65553"/>
+              <a:gd name="adj3" fmla="val 16667"/>
+            </a:avLst>
           </a:prstGeom>
           <a:solidFill>
-            <a:srgbClr val="FF0000"/>
+            <a:schemeClr val="bg1"/>
           </a:solidFill>
           <a:ln>
             <a:solidFill>
@@ -6332,10 +6533,10 @@
       </p:sp>
       <p:sp>
         <p:nvSpPr>
-          <p:cNvPr id="9" name="テキスト ボックス 8">
-            <a:extLst>
-              <a:ext uri="{FF2B5EF4-FFF2-40B4-BE49-F238E27FC236}">
-                <a16:creationId xmlns:a16="http://schemas.microsoft.com/office/drawing/2014/main" id="{B3867056-FE38-2272-E952-1CDE6C12C55F}"/>
+          <p:cNvPr id="22" name="テキスト ボックス 21">
+            <a:extLst>
+              <a:ext uri="{FF2B5EF4-FFF2-40B4-BE49-F238E27FC236}">
+                <a16:creationId xmlns:a16="http://schemas.microsoft.com/office/drawing/2014/main" id="{73358AFE-AC73-A314-66E7-64ADD0407C81}"/>
               </a:ext>
             </a:extLst>
           </p:cNvPr>
@@ -6344,8 +6545,8 @@
         </p:nvSpPr>
         <p:spPr>
           <a:xfrm>
-            <a:off x="2035282" y="2555269"/>
-            <a:ext cx="646331" cy="369332"/>
+            <a:off x="4232168" y="2230272"/>
+            <a:ext cx="1210588" cy="461665"/>
           </a:xfrm>
           <a:prstGeom prst="rect">
             <a:avLst/>
@@ -6359,53 +6560,210 @@
           <a:lstStyle/>
           <a:p>
             <a:r>
-              <a:rPr kumimoji="1" lang="ja-JP" altLang="en-US"/>
-              <a:t>質問</a:t>
-            </a:r>
-          </a:p>
-        </p:txBody>
-      </p:sp>
-      <p:sp>
-        <p:nvSpPr>
-          <p:cNvPr id="10" name="テキスト ボックス 9">
-            <a:extLst>
-              <a:ext uri="{FF2B5EF4-FFF2-40B4-BE49-F238E27FC236}">
-                <a16:creationId xmlns:a16="http://schemas.microsoft.com/office/drawing/2014/main" id="{8783FD4B-6C4F-79F9-E427-85E1CDCF5BE6}"/>
-              </a:ext>
-            </a:extLst>
-          </p:cNvPr>
-          <p:cNvSpPr txBox="1"/>
-          <p:nvPr/>
-        </p:nvSpPr>
-        <p:spPr>
-          <a:xfrm>
-            <a:off x="5910122" y="2564904"/>
-            <a:ext cx="877163" cy="369332"/>
-          </a:xfrm>
-          <a:prstGeom prst="rect">
-            <a:avLst/>
-          </a:prstGeom>
-          <a:noFill/>
-        </p:spPr>
-        <p:txBody>
-          <a:bodyPr wrap="none" rtlCol="0">
-            <a:spAutoFit/>
-          </a:bodyPr>
-          <a:lstStyle/>
-          <a:p>
-            <a:r>
-              <a:rPr kumimoji="1" lang="ja-JP" altLang="en-US"/>
-              <a:t>丸投げ</a:t>
-            </a:r>
-          </a:p>
-        </p:txBody>
-      </p:sp>
-      <p:sp>
-        <p:nvSpPr>
-          <p:cNvPr id="11" name="右矢印 10">
-            <a:extLst>
-              <a:ext uri="{FF2B5EF4-FFF2-40B4-BE49-F238E27FC236}">
-                <a16:creationId xmlns:a16="http://schemas.microsoft.com/office/drawing/2014/main" id="{4E817CB6-E669-7FCB-870E-578A429F732F}"/>
+              <a:rPr lang="ja-JP" altLang="en-US" sz="1200"/>
+              <a:t>なぜ</a:t>
+            </a:r>
+            <a:r>
+              <a:rPr lang="en-US" altLang="ja-JP" sz="1200" dirty="0"/>
+              <a:t>A</a:t>
+            </a:r>
+            <a:r>
+              <a:rPr lang="ja-JP" altLang="en-US" sz="1200"/>
+              <a:t>ではなく</a:t>
+            </a:r>
+            <a:endParaRPr lang="en-US" altLang="ja-JP" sz="1200" dirty="0"/>
+          </a:p>
+          <a:p>
+            <a:r>
+              <a:rPr kumimoji="1" lang="en-US" altLang="ja-JP" sz="1200" dirty="0"/>
+              <a:t>B</a:t>
+            </a:r>
+            <a:r>
+              <a:rPr kumimoji="1" lang="ja-JP" altLang="en-US" sz="1200"/>
+              <a:t>なのですか？</a:t>
+            </a:r>
+          </a:p>
+        </p:txBody>
+      </p:sp>
+      <p:sp>
+        <p:nvSpPr>
+          <p:cNvPr id="2" name="テキスト プレースホルダー 1">
+            <a:extLst>
+              <a:ext uri="{FF2B5EF4-FFF2-40B4-BE49-F238E27FC236}">
+                <a16:creationId xmlns:a16="http://schemas.microsoft.com/office/drawing/2014/main" id="{20E48CAB-94C4-B268-68B0-731718DA77B0}"/>
+              </a:ext>
+            </a:extLst>
+          </p:cNvPr>
+          <p:cNvSpPr>
+            <a:spLocks noGrp="1"/>
+          </p:cNvSpPr>
+          <p:nvPr>
+            <p:ph type="body" sz="quarter" idx="10"/>
+          </p:nvPr>
+        </p:nvSpPr>
+        <p:spPr/>
+        <p:txBody>
+          <a:bodyPr/>
+          <a:lstStyle/>
+          <a:p>
+            <a:r>
+              <a:rPr lang="en-US" altLang="ja-JP" dirty="0"/>
+              <a:t>AI</a:t>
+            </a:r>
+            <a:r>
+              <a:rPr lang="ja-JP" altLang="en-US"/>
+              <a:t>と仕事</a:t>
+            </a:r>
+          </a:p>
+        </p:txBody>
+      </p:sp>
+      <p:pic>
+        <p:nvPicPr>
+          <p:cNvPr id="4" name="Picture 2" descr="玩具のロボットのイラスト（青）">
+            <a:extLst>
+              <a:ext uri="{FF2B5EF4-FFF2-40B4-BE49-F238E27FC236}">
+                <a16:creationId xmlns:a16="http://schemas.microsoft.com/office/drawing/2014/main" id="{4A898D4C-8C7E-9E52-1E43-60AF18673F5C}"/>
+              </a:ext>
+            </a:extLst>
+          </p:cNvPr>
+          <p:cNvPicPr>
+            <a:picLocks noChangeAspect="1" noChangeArrowheads="1"/>
+          </p:cNvPicPr>
+          <p:nvPr/>
+        </p:nvPicPr>
+        <p:blipFill>
+          <a:blip r:embed="rId2">
+            <a:extLst>
+              <a:ext uri="{28A0092B-C50C-407E-A947-70E740481C1C}">
+                <a14:useLocalDpi xmlns:a14="http://schemas.microsoft.com/office/drawing/2010/main" val="0"/>
+              </a:ext>
+            </a:extLst>
+          </a:blip>
+          <a:srcRect/>
+          <a:stretch>
+            <a:fillRect/>
+          </a:stretch>
+        </p:blipFill>
+        <p:spPr bwMode="auto">
+          <a:xfrm>
+            <a:off x="7397527" y="2872934"/>
+            <a:ext cx="1138585" cy="1388518"/>
+          </a:xfrm>
+          <a:prstGeom prst="rect">
+            <a:avLst/>
+          </a:prstGeom>
+          <a:noFill/>
+          <a:extLst>
+            <a:ext uri="{909E8E84-426E-40DD-AFC4-6F175D3DCCD1}">
+              <a14:hiddenFill xmlns:a14="http://schemas.microsoft.com/office/drawing/2010/main">
+                <a:solidFill>
+                  <a:srgbClr val="FFFFFF"/>
+                </a:solidFill>
+              </a14:hiddenFill>
+            </a:ext>
+          </a:extLst>
+        </p:spPr>
+      </p:pic>
+      <p:pic>
+        <p:nvPicPr>
+          <p:cNvPr id="5" name="Picture 4" descr="パソコンを使うサラリーマンのイラスト">
+            <a:extLst>
+              <a:ext uri="{FF2B5EF4-FFF2-40B4-BE49-F238E27FC236}">
+                <a16:creationId xmlns:a16="http://schemas.microsoft.com/office/drawing/2014/main" id="{3CB386E9-E076-BB07-836C-914D5E6E0AE7}"/>
+              </a:ext>
+            </a:extLst>
+          </p:cNvPr>
+          <p:cNvPicPr>
+            <a:picLocks noChangeAspect="1" noChangeArrowheads="1"/>
+          </p:cNvPicPr>
+          <p:nvPr/>
+        </p:nvPicPr>
+        <p:blipFill>
+          <a:blip r:embed="rId3">
+            <a:extLst>
+              <a:ext uri="{28A0092B-C50C-407E-A947-70E740481C1C}">
+                <a14:useLocalDpi xmlns:a14="http://schemas.microsoft.com/office/drawing/2010/main" val="0"/>
+              </a:ext>
+            </a:extLst>
+          </a:blip>
+          <a:srcRect/>
+          <a:stretch>
+            <a:fillRect/>
+          </a:stretch>
+        </p:blipFill>
+        <p:spPr bwMode="auto">
+          <a:xfrm>
+            <a:off x="323528" y="2845982"/>
+            <a:ext cx="1452580" cy="1459880"/>
+          </a:xfrm>
+          <a:prstGeom prst="rect">
+            <a:avLst/>
+          </a:prstGeom>
+          <a:noFill/>
+          <a:extLst>
+            <a:ext uri="{909E8E84-426E-40DD-AFC4-6F175D3DCCD1}">
+              <a14:hiddenFill xmlns:a14="http://schemas.microsoft.com/office/drawing/2010/main">
+                <a:solidFill>
+                  <a:srgbClr val="FFFFFF"/>
+                </a:solidFill>
+              </a14:hiddenFill>
+            </a:ext>
+          </a:extLst>
+        </p:spPr>
+      </p:pic>
+      <p:pic>
+        <p:nvPicPr>
+          <p:cNvPr id="6" name="Picture 6" descr="会社で働く人のイラスト（男性）">
+            <a:extLst>
+              <a:ext uri="{FF2B5EF4-FFF2-40B4-BE49-F238E27FC236}">
+                <a16:creationId xmlns:a16="http://schemas.microsoft.com/office/drawing/2014/main" id="{3ED49060-FE92-3226-2527-54FE646E16A5}"/>
+              </a:ext>
+            </a:extLst>
+          </p:cNvPr>
+          <p:cNvPicPr>
+            <a:picLocks noChangeAspect="1" noChangeArrowheads="1"/>
+          </p:cNvPicPr>
+          <p:nvPr/>
+        </p:nvPicPr>
+        <p:blipFill>
+          <a:blip r:embed="rId4">
+            <a:extLst>
+              <a:ext uri="{28A0092B-C50C-407E-A947-70E740481C1C}">
+                <a14:useLocalDpi xmlns:a14="http://schemas.microsoft.com/office/drawing/2010/main" val="0"/>
+              </a:ext>
+            </a:extLst>
+          </a:blip>
+          <a:srcRect/>
+          <a:stretch>
+            <a:fillRect/>
+          </a:stretch>
+        </p:blipFill>
+        <p:spPr bwMode="auto">
+          <a:xfrm>
+            <a:off x="3791440" y="2890393"/>
+            <a:ext cx="1371059" cy="1371059"/>
+          </a:xfrm>
+          <a:prstGeom prst="rect">
+            <a:avLst/>
+          </a:prstGeom>
+          <a:noFill/>
+          <a:extLst>
+            <a:ext uri="{909E8E84-426E-40DD-AFC4-6F175D3DCCD1}">
+              <a14:hiddenFill xmlns:a14="http://schemas.microsoft.com/office/drawing/2010/main">
+                <a:solidFill>
+                  <a:srgbClr val="FFFFFF"/>
+                </a:solidFill>
+              </a14:hiddenFill>
+            </a:ext>
+          </a:extLst>
+        </p:spPr>
+      </p:pic>
+      <p:sp>
+        <p:nvSpPr>
+          <p:cNvPr id="7" name="右矢印 6">
+            <a:extLst>
+              <a:ext uri="{FF2B5EF4-FFF2-40B4-BE49-F238E27FC236}">
+                <a16:creationId xmlns:a16="http://schemas.microsoft.com/office/drawing/2014/main" id="{36A95C72-11BC-DE07-5517-B35CD3D34ED1}"/>
               </a:ext>
             </a:extLst>
           </p:cNvPr>
@@ -6413,8 +6771,8 @@
           <p:nvPr/>
         </p:nvSpPr>
         <p:spPr>
-          <a:xfrm rot="10800000">
-            <a:off x="5580112" y="3575922"/>
+          <a:xfrm>
+            <a:off x="1776108" y="2996952"/>
             <a:ext cx="1715772" cy="432048"/>
           </a:xfrm>
           <a:prstGeom prst="rightArrow">
@@ -6456,45 +6814,10 @@
       </p:sp>
       <p:sp>
         <p:nvSpPr>
-          <p:cNvPr id="12" name="テキスト ボックス 11">
-            <a:extLst>
-              <a:ext uri="{FF2B5EF4-FFF2-40B4-BE49-F238E27FC236}">
-                <a16:creationId xmlns:a16="http://schemas.microsoft.com/office/drawing/2014/main" id="{ED502326-0293-C2BA-A13A-BC1343A9E813}"/>
-              </a:ext>
-            </a:extLst>
-          </p:cNvPr>
-          <p:cNvSpPr txBox="1"/>
-          <p:nvPr/>
-        </p:nvSpPr>
-        <p:spPr>
-          <a:xfrm>
-            <a:off x="6311989" y="4100879"/>
-            <a:ext cx="646331" cy="369332"/>
-          </a:xfrm>
-          <a:prstGeom prst="rect">
-            <a:avLst/>
-          </a:prstGeom>
-          <a:noFill/>
-        </p:spPr>
-        <p:txBody>
-          <a:bodyPr wrap="none" rtlCol="0">
-            <a:spAutoFit/>
-          </a:bodyPr>
-          <a:lstStyle/>
-          <a:p>
-            <a:r>
-              <a:rPr kumimoji="1" lang="ja-JP" altLang="en-US"/>
-              <a:t>回答</a:t>
-            </a:r>
-          </a:p>
-        </p:txBody>
-      </p:sp>
-      <p:sp>
-        <p:nvSpPr>
-          <p:cNvPr id="13" name="右矢印 12">
-            <a:extLst>
-              <a:ext uri="{FF2B5EF4-FFF2-40B4-BE49-F238E27FC236}">
-                <a16:creationId xmlns:a16="http://schemas.microsoft.com/office/drawing/2014/main" id="{6225098C-4D64-0667-3FDB-8C5CDE900107}"/>
+          <p:cNvPr id="8" name="右矢印 7">
+            <a:extLst>
+              <a:ext uri="{FF2B5EF4-FFF2-40B4-BE49-F238E27FC236}">
+                <a16:creationId xmlns:a16="http://schemas.microsoft.com/office/drawing/2014/main" id="{633540C8-80F8-FD2F-F1EB-66DA2E234BBF}"/>
               </a:ext>
             </a:extLst>
           </p:cNvPr>
@@ -6502,8 +6825,8 @@
           <p:nvPr/>
         </p:nvSpPr>
         <p:spPr>
-          <a:xfrm rot="10800000">
-            <a:off x="1733748" y="3726065"/>
+          <a:xfrm>
+            <a:off x="5652120" y="2996952"/>
             <a:ext cx="1715772" cy="432048"/>
           </a:xfrm>
           <a:prstGeom prst="rightArrow">
@@ -6545,10 +6868,10 @@
       </p:sp>
       <p:sp>
         <p:nvSpPr>
-          <p:cNvPr id="14" name="テキスト ボックス 13">
-            <a:extLst>
-              <a:ext uri="{FF2B5EF4-FFF2-40B4-BE49-F238E27FC236}">
-                <a16:creationId xmlns:a16="http://schemas.microsoft.com/office/drawing/2014/main" id="{847C9D73-4DF0-07F3-E661-EEF9CF657EAE}"/>
+          <p:cNvPr id="9" name="テキスト ボックス 8">
+            <a:extLst>
+              <a:ext uri="{FF2B5EF4-FFF2-40B4-BE49-F238E27FC236}">
+                <a16:creationId xmlns:a16="http://schemas.microsoft.com/office/drawing/2014/main" id="{A20E58D0-0A82-CB4C-1C8E-AD4085886D07}"/>
               </a:ext>
             </a:extLst>
           </p:cNvPr>
@@ -6557,8 +6880,8 @@
         </p:nvSpPr>
         <p:spPr>
           <a:xfrm>
-            <a:off x="1896783" y="4142924"/>
-            <a:ext cx="1569660" cy="369332"/>
+            <a:off x="2035282" y="2555269"/>
+            <a:ext cx="646331" cy="369332"/>
           </a:xfrm>
           <a:prstGeom prst="rect">
             <a:avLst/>
@@ -6573,6 +6896,219 @@
           <a:p>
             <a:r>
               <a:rPr kumimoji="1" lang="ja-JP" altLang="en-US"/>
+              <a:t>質問</a:t>
+            </a:r>
+          </a:p>
+        </p:txBody>
+      </p:sp>
+      <p:sp>
+        <p:nvSpPr>
+          <p:cNvPr id="10" name="テキスト ボックス 9">
+            <a:extLst>
+              <a:ext uri="{FF2B5EF4-FFF2-40B4-BE49-F238E27FC236}">
+                <a16:creationId xmlns:a16="http://schemas.microsoft.com/office/drawing/2014/main" id="{64EDD6FB-9E22-A074-BDB9-010D0725B455}"/>
+              </a:ext>
+            </a:extLst>
+          </p:cNvPr>
+          <p:cNvSpPr txBox="1"/>
+          <p:nvPr/>
+        </p:nvSpPr>
+        <p:spPr>
+          <a:xfrm>
+            <a:off x="5910122" y="2564904"/>
+            <a:ext cx="877163" cy="369332"/>
+          </a:xfrm>
+          <a:prstGeom prst="rect">
+            <a:avLst/>
+          </a:prstGeom>
+          <a:noFill/>
+        </p:spPr>
+        <p:txBody>
+          <a:bodyPr wrap="none" rtlCol="0">
+            <a:spAutoFit/>
+          </a:bodyPr>
+          <a:lstStyle/>
+          <a:p>
+            <a:r>
+              <a:rPr kumimoji="1" lang="ja-JP" altLang="en-US"/>
+              <a:t>丸投げ</a:t>
+            </a:r>
+          </a:p>
+        </p:txBody>
+      </p:sp>
+      <p:sp>
+        <p:nvSpPr>
+          <p:cNvPr id="11" name="右矢印 10">
+            <a:extLst>
+              <a:ext uri="{FF2B5EF4-FFF2-40B4-BE49-F238E27FC236}">
+                <a16:creationId xmlns:a16="http://schemas.microsoft.com/office/drawing/2014/main" id="{82270B6F-D716-0C80-C0C7-8F1AA5D90DD4}"/>
+              </a:ext>
+            </a:extLst>
+          </p:cNvPr>
+          <p:cNvSpPr/>
+          <p:nvPr/>
+        </p:nvSpPr>
+        <p:spPr>
+          <a:xfrm rot="10800000">
+            <a:off x="5580112" y="3575922"/>
+            <a:ext cx="1715772" cy="432048"/>
+          </a:xfrm>
+          <a:prstGeom prst="rightArrow">
+            <a:avLst/>
+          </a:prstGeom>
+          <a:solidFill>
+            <a:srgbClr val="FF0000"/>
+          </a:solidFill>
+          <a:ln>
+            <a:solidFill>
+              <a:schemeClr val="tx1"/>
+            </a:solidFill>
+          </a:ln>
+        </p:spPr>
+        <p:style>
+          <a:lnRef idx="2">
+            <a:schemeClr val="accent1">
+              <a:shade val="50000"/>
+            </a:schemeClr>
+          </a:lnRef>
+          <a:fillRef idx="1">
+            <a:schemeClr val="accent1"/>
+          </a:fillRef>
+          <a:effectRef idx="0">
+            <a:schemeClr val="accent1"/>
+          </a:effectRef>
+          <a:fontRef idx="minor">
+            <a:schemeClr val="lt1"/>
+          </a:fontRef>
+        </p:style>
+        <p:txBody>
+          <a:bodyPr rtlCol="0" anchor="ctr"/>
+          <a:lstStyle/>
+          <a:p>
+            <a:pPr algn="ctr"/>
+            <a:endParaRPr kumimoji="1" lang="ja-JP" altLang="en-US"/>
+          </a:p>
+        </p:txBody>
+      </p:sp>
+      <p:sp>
+        <p:nvSpPr>
+          <p:cNvPr id="12" name="テキスト ボックス 11">
+            <a:extLst>
+              <a:ext uri="{FF2B5EF4-FFF2-40B4-BE49-F238E27FC236}">
+                <a16:creationId xmlns:a16="http://schemas.microsoft.com/office/drawing/2014/main" id="{70BE818A-8AFB-E866-3A63-35ED4C97CB3F}"/>
+              </a:ext>
+            </a:extLst>
+          </p:cNvPr>
+          <p:cNvSpPr txBox="1"/>
+          <p:nvPr/>
+        </p:nvSpPr>
+        <p:spPr>
+          <a:xfrm>
+            <a:off x="6311989" y="4100879"/>
+            <a:ext cx="646331" cy="369332"/>
+          </a:xfrm>
+          <a:prstGeom prst="rect">
+            <a:avLst/>
+          </a:prstGeom>
+          <a:noFill/>
+        </p:spPr>
+        <p:txBody>
+          <a:bodyPr wrap="none" rtlCol="0">
+            <a:spAutoFit/>
+          </a:bodyPr>
+          <a:lstStyle/>
+          <a:p>
+            <a:r>
+              <a:rPr kumimoji="1" lang="ja-JP" altLang="en-US"/>
+              <a:t>回答</a:t>
+            </a:r>
+          </a:p>
+        </p:txBody>
+      </p:sp>
+      <p:sp>
+        <p:nvSpPr>
+          <p:cNvPr id="13" name="右矢印 12">
+            <a:extLst>
+              <a:ext uri="{FF2B5EF4-FFF2-40B4-BE49-F238E27FC236}">
+                <a16:creationId xmlns:a16="http://schemas.microsoft.com/office/drawing/2014/main" id="{CA934920-5777-FA1D-6ADE-649249575BC9}"/>
+              </a:ext>
+            </a:extLst>
+          </p:cNvPr>
+          <p:cNvSpPr/>
+          <p:nvPr/>
+        </p:nvSpPr>
+        <p:spPr>
+          <a:xfrm rot="10800000">
+            <a:off x="1733748" y="3726065"/>
+            <a:ext cx="1715772" cy="432048"/>
+          </a:xfrm>
+          <a:prstGeom prst="rightArrow">
+            <a:avLst/>
+          </a:prstGeom>
+          <a:solidFill>
+            <a:srgbClr val="FF0000"/>
+          </a:solidFill>
+          <a:ln>
+            <a:solidFill>
+              <a:schemeClr val="tx1"/>
+            </a:solidFill>
+          </a:ln>
+        </p:spPr>
+        <p:style>
+          <a:lnRef idx="2">
+            <a:schemeClr val="accent1">
+              <a:shade val="50000"/>
+            </a:schemeClr>
+          </a:lnRef>
+          <a:fillRef idx="1">
+            <a:schemeClr val="accent1"/>
+          </a:fillRef>
+          <a:effectRef idx="0">
+            <a:schemeClr val="accent1"/>
+          </a:effectRef>
+          <a:fontRef idx="minor">
+            <a:schemeClr val="lt1"/>
+          </a:fontRef>
+        </p:style>
+        <p:txBody>
+          <a:bodyPr rtlCol="0" anchor="ctr"/>
+          <a:lstStyle/>
+          <a:p>
+            <a:pPr algn="ctr"/>
+            <a:endParaRPr kumimoji="1" lang="ja-JP" altLang="en-US"/>
+          </a:p>
+        </p:txBody>
+      </p:sp>
+      <p:sp>
+        <p:nvSpPr>
+          <p:cNvPr id="14" name="テキスト ボックス 13">
+            <a:extLst>
+              <a:ext uri="{FF2B5EF4-FFF2-40B4-BE49-F238E27FC236}">
+                <a16:creationId xmlns:a16="http://schemas.microsoft.com/office/drawing/2014/main" id="{59EBA824-BC6B-1616-EE6D-107AD99E8165}"/>
+              </a:ext>
+            </a:extLst>
+          </p:cNvPr>
+          <p:cNvSpPr txBox="1"/>
+          <p:nvPr/>
+        </p:nvSpPr>
+        <p:spPr>
+          <a:xfrm>
+            <a:off x="1896783" y="4142924"/>
+            <a:ext cx="1569660" cy="369332"/>
+          </a:xfrm>
+          <a:prstGeom prst="rect">
+            <a:avLst/>
+          </a:prstGeom>
+          <a:noFill/>
+        </p:spPr>
+        <p:txBody>
+          <a:bodyPr wrap="none" rtlCol="0">
+            <a:spAutoFit/>
+          </a:bodyPr>
+          <a:lstStyle/>
+          <a:p>
+            <a:r>
+              <a:rPr kumimoji="1" lang="ja-JP" altLang="en-US"/>
               <a:t>そのままパス</a:t>
             </a:r>
           </a:p>
@@ -6583,7 +7119,7 @@
           <p:cNvPr id="15" name="Picture 8" descr="書類とペンのイラスト">
             <a:extLst>
               <a:ext uri="{FF2B5EF4-FFF2-40B4-BE49-F238E27FC236}">
-                <a16:creationId xmlns:a16="http://schemas.microsoft.com/office/drawing/2014/main" id="{3FE91F9D-7B98-BA50-D7BB-89AA7A5AF533}"/>
+                <a16:creationId xmlns:a16="http://schemas.microsoft.com/office/drawing/2014/main" id="{145EBFF3-DEB8-D1E2-9BA3-2EF0CD64EF0C}"/>
               </a:ext>
             </a:extLst>
           </p:cNvPr>
@@ -6630,7 +7166,7 @@
           <p:cNvPr id="16" name="Picture 8" descr="書類とペンのイラスト">
             <a:extLst>
               <a:ext uri="{FF2B5EF4-FFF2-40B4-BE49-F238E27FC236}">
-                <a16:creationId xmlns:a16="http://schemas.microsoft.com/office/drawing/2014/main" id="{60593713-C3B6-436E-A79B-7A5ABCDD1BAB}"/>
+                <a16:creationId xmlns:a16="http://schemas.microsoft.com/office/drawing/2014/main" id="{158D9734-8D9B-4BFD-8762-439DD92CAFBF}"/>
               </a:ext>
             </a:extLst>
           </p:cNvPr>
@@ -6672,10 +7208,266 @@
           </a:extLst>
         </p:spPr>
       </p:pic>
+      <p:sp>
+        <p:nvSpPr>
+          <p:cNvPr id="19" name="テキスト ボックス 18">
+            <a:extLst>
+              <a:ext uri="{FF2B5EF4-FFF2-40B4-BE49-F238E27FC236}">
+                <a16:creationId xmlns:a16="http://schemas.microsoft.com/office/drawing/2014/main" id="{68B6603D-9F03-2F81-5226-9E108AE839F7}"/>
+              </a:ext>
+            </a:extLst>
+          </p:cNvPr>
+          <p:cNvSpPr txBox="1"/>
+          <p:nvPr/>
+        </p:nvSpPr>
+        <p:spPr>
+          <a:xfrm>
+            <a:off x="179513" y="1124744"/>
+            <a:ext cx="8568952" cy="830997"/>
+          </a:xfrm>
+          <a:prstGeom prst="rect">
+            <a:avLst/>
+          </a:prstGeom>
+          <a:noFill/>
+        </p:spPr>
+        <p:txBody>
+          <a:bodyPr wrap="square" rtlCol="0">
+            <a:spAutoFit/>
+          </a:bodyPr>
+          <a:lstStyle/>
+          <a:p>
+            <a:r>
+              <a:rPr kumimoji="1" lang="ja-JP" altLang="en-US" sz="2400"/>
+              <a:t>上司から仕事に関して質問されても、内容を理解していないので全て</a:t>
+            </a:r>
+            <a:r>
+              <a:rPr kumimoji="1" lang="en-US" altLang="ja-JP" sz="2400" dirty="0"/>
+              <a:t>AI</a:t>
+            </a:r>
+            <a:r>
+              <a:rPr kumimoji="1" lang="ja-JP" altLang="en-US" sz="2400"/>
+              <a:t>に聞くことになる</a:t>
+            </a:r>
+          </a:p>
+        </p:txBody>
+      </p:sp>
+      <p:sp>
+        <p:nvSpPr>
+          <p:cNvPr id="3" name="角丸四角形吹き出し 2">
+            <a:extLst>
+              <a:ext uri="{FF2B5EF4-FFF2-40B4-BE49-F238E27FC236}">
+                <a16:creationId xmlns:a16="http://schemas.microsoft.com/office/drawing/2014/main" id="{9326E89F-D119-5D52-4B8F-45E38FE157EC}"/>
+              </a:ext>
+            </a:extLst>
+          </p:cNvPr>
+          <p:cNvSpPr/>
+          <p:nvPr/>
+        </p:nvSpPr>
+        <p:spPr>
+          <a:xfrm>
+            <a:off x="683568" y="2283028"/>
+            <a:ext cx="1351714" cy="562954"/>
+          </a:xfrm>
+          <a:prstGeom prst="wedgeRoundRectCallout">
+            <a:avLst>
+              <a:gd name="adj1" fmla="val -33786"/>
+              <a:gd name="adj2" fmla="val 65553"/>
+              <a:gd name="adj3" fmla="val 16667"/>
+            </a:avLst>
+          </a:prstGeom>
+          <a:solidFill>
+            <a:schemeClr val="bg1"/>
+          </a:solidFill>
+          <a:ln>
+            <a:solidFill>
+              <a:schemeClr val="tx1"/>
+            </a:solidFill>
+          </a:ln>
+        </p:spPr>
+        <p:style>
+          <a:lnRef idx="2">
+            <a:schemeClr val="accent1">
+              <a:shade val="50000"/>
+            </a:schemeClr>
+          </a:lnRef>
+          <a:fillRef idx="1">
+            <a:schemeClr val="accent1"/>
+          </a:fillRef>
+          <a:effectRef idx="0">
+            <a:schemeClr val="accent1"/>
+          </a:effectRef>
+          <a:fontRef idx="minor">
+            <a:schemeClr val="lt1"/>
+          </a:fontRef>
+        </p:style>
+        <p:txBody>
+          <a:bodyPr rtlCol="0" anchor="ctr"/>
+          <a:lstStyle/>
+          <a:p>
+            <a:pPr algn="ctr"/>
+            <a:endParaRPr kumimoji="1" lang="ja-JP" altLang="en-US"/>
+          </a:p>
+        </p:txBody>
+      </p:sp>
+      <p:sp>
+        <p:nvSpPr>
+          <p:cNvPr id="20" name="テキスト ボックス 19">
+            <a:extLst>
+              <a:ext uri="{FF2B5EF4-FFF2-40B4-BE49-F238E27FC236}">
+                <a16:creationId xmlns:a16="http://schemas.microsoft.com/office/drawing/2014/main" id="{038E95B2-3083-3D78-428B-114AD4F935E3}"/>
+              </a:ext>
+            </a:extLst>
+          </p:cNvPr>
+          <p:cNvSpPr txBox="1"/>
+          <p:nvPr/>
+        </p:nvSpPr>
+        <p:spPr>
+          <a:xfrm>
+            <a:off x="754131" y="2304165"/>
+            <a:ext cx="1210588" cy="461665"/>
+          </a:xfrm>
+          <a:prstGeom prst="rect">
+            <a:avLst/>
+          </a:prstGeom>
+          <a:noFill/>
+        </p:spPr>
+        <p:txBody>
+          <a:bodyPr wrap="none" rtlCol="0">
+            <a:spAutoFit/>
+          </a:bodyPr>
+          <a:lstStyle/>
+          <a:p>
+            <a:r>
+              <a:rPr lang="ja-JP" altLang="en-US" sz="1200"/>
+              <a:t>なぜ</a:t>
+            </a:r>
+            <a:r>
+              <a:rPr lang="en-US" altLang="ja-JP" sz="1200" dirty="0"/>
+              <a:t>A</a:t>
+            </a:r>
+            <a:r>
+              <a:rPr lang="ja-JP" altLang="en-US" sz="1200"/>
+              <a:t>ではなく</a:t>
+            </a:r>
+            <a:endParaRPr lang="en-US" altLang="ja-JP" sz="1200" dirty="0"/>
+          </a:p>
+          <a:p>
+            <a:r>
+              <a:rPr kumimoji="1" lang="en-US" altLang="ja-JP" sz="1200" dirty="0"/>
+              <a:t>B</a:t>
+            </a:r>
+            <a:r>
+              <a:rPr kumimoji="1" lang="ja-JP" altLang="en-US" sz="1200"/>
+              <a:t>なのですか？</a:t>
+            </a:r>
+          </a:p>
+        </p:txBody>
+      </p:sp>
+      <p:sp>
+        <p:nvSpPr>
+          <p:cNvPr id="23" name="四角形吹き出し 22">
+            <a:extLst>
+              <a:ext uri="{FF2B5EF4-FFF2-40B4-BE49-F238E27FC236}">
+                <a16:creationId xmlns:a16="http://schemas.microsoft.com/office/drawing/2014/main" id="{1FD7FF6B-2A17-F856-A984-D3ED0EC3E4E8}"/>
+              </a:ext>
+            </a:extLst>
+          </p:cNvPr>
+          <p:cNvSpPr/>
+          <p:nvPr/>
+        </p:nvSpPr>
+        <p:spPr>
+          <a:xfrm>
+            <a:off x="7397528" y="4509822"/>
+            <a:ext cx="1518364" cy="453502"/>
+          </a:xfrm>
+          <a:prstGeom prst="wedgeRectCallout">
+            <a:avLst>
+              <a:gd name="adj1" fmla="val -20833"/>
+              <a:gd name="adj2" fmla="val -96918"/>
+            </a:avLst>
+          </a:prstGeom>
+          <a:solidFill>
+            <a:schemeClr val="bg1"/>
+          </a:solidFill>
+          <a:ln>
+            <a:solidFill>
+              <a:schemeClr val="tx1"/>
+            </a:solidFill>
+          </a:ln>
+        </p:spPr>
+        <p:style>
+          <a:lnRef idx="2">
+            <a:schemeClr val="accent1">
+              <a:shade val="50000"/>
+            </a:schemeClr>
+          </a:lnRef>
+          <a:fillRef idx="1">
+            <a:schemeClr val="accent1"/>
+          </a:fillRef>
+          <a:effectRef idx="0">
+            <a:schemeClr val="accent1"/>
+          </a:effectRef>
+          <a:fontRef idx="minor">
+            <a:schemeClr val="lt1"/>
+          </a:fontRef>
+        </p:style>
+        <p:txBody>
+          <a:bodyPr rtlCol="0" anchor="ctr"/>
+          <a:lstStyle/>
+          <a:p>
+            <a:pPr algn="ctr"/>
+            <a:endParaRPr kumimoji="1" lang="ja-JP" altLang="en-US"/>
+          </a:p>
+        </p:txBody>
+      </p:sp>
+      <p:sp>
+        <p:nvSpPr>
+          <p:cNvPr id="24" name="テキスト ボックス 23">
+            <a:extLst>
+              <a:ext uri="{FF2B5EF4-FFF2-40B4-BE49-F238E27FC236}">
+                <a16:creationId xmlns:a16="http://schemas.microsoft.com/office/drawing/2014/main" id="{12F5E1F2-049F-0D6E-7C57-29C47363127A}"/>
+              </a:ext>
+            </a:extLst>
+          </p:cNvPr>
+          <p:cNvSpPr txBox="1"/>
+          <p:nvPr/>
+        </p:nvSpPr>
+        <p:spPr>
+          <a:xfrm>
+            <a:off x="7397527" y="4548213"/>
+            <a:ext cx="1518364" cy="276999"/>
+          </a:xfrm>
+          <a:prstGeom prst="rect">
+            <a:avLst/>
+          </a:prstGeom>
+          <a:noFill/>
+        </p:spPr>
+        <p:txBody>
+          <a:bodyPr wrap="none" rtlCol="0">
+            <a:spAutoFit/>
+          </a:bodyPr>
+          <a:lstStyle/>
+          <a:p>
+            <a:r>
+              <a:rPr lang="ja-JP" altLang="en-US" sz="1200"/>
+              <a:t>それは</a:t>
+            </a:r>
+            <a:r>
+              <a:rPr lang="en-US" altLang="ja-JP" sz="1200" dirty="0"/>
+              <a:t>X</a:t>
+            </a:r>
+            <a:r>
+              <a:rPr lang="ja-JP" altLang="en-US" sz="1200"/>
+              <a:t>だからです</a:t>
+            </a:r>
+            <a:endParaRPr kumimoji="1" lang="ja-JP" altLang="en-US" sz="1200"/>
+          </a:p>
+        </p:txBody>
+      </p:sp>
     </p:spTree>
     <p:extLst>
       <p:ext uri="{BB962C8B-B14F-4D97-AF65-F5344CB8AC3E}">
-        <p14:creationId xmlns:p14="http://schemas.microsoft.com/office/powerpoint/2010/main" val="4079945817"/>
+        <p14:creationId xmlns:p14="http://schemas.microsoft.com/office/powerpoint/2010/main" val="4142966023"/>
       </p:ext>
     </p:extLst>
   </p:cSld>
@@ -6710,183 +7502,10 @@
       </p:grpSpPr>
       <p:sp>
         <p:nvSpPr>
-          <p:cNvPr id="2" name="テキスト プレースホルダー 1">
-            <a:extLst>
-              <a:ext uri="{FF2B5EF4-FFF2-40B4-BE49-F238E27FC236}">
-                <a16:creationId xmlns:a16="http://schemas.microsoft.com/office/drawing/2014/main" id="{2183ABE7-A949-BECC-8DD1-21F8C607EC07}"/>
-              </a:ext>
-            </a:extLst>
-          </p:cNvPr>
-          <p:cNvSpPr>
-            <a:spLocks noGrp="1"/>
-          </p:cNvSpPr>
-          <p:nvPr>
-            <p:ph type="body" sz="quarter" idx="10"/>
-          </p:nvPr>
-        </p:nvSpPr>
-        <p:spPr/>
-        <p:txBody>
-          <a:bodyPr/>
-          <a:lstStyle/>
-          <a:p>
-            <a:r>
-              <a:rPr lang="en-US" altLang="ja-JP" dirty="0"/>
-              <a:t>AI</a:t>
-            </a:r>
-            <a:r>
-              <a:rPr lang="ja-JP" altLang="en-US"/>
-              <a:t>と仕事</a:t>
-            </a:r>
-          </a:p>
-        </p:txBody>
-      </p:sp>
-      <p:pic>
-        <p:nvPicPr>
-          <p:cNvPr id="4" name="Picture 2" descr="玩具のロボットのイラスト（青）">
-            <a:extLst>
-              <a:ext uri="{FF2B5EF4-FFF2-40B4-BE49-F238E27FC236}">
-                <a16:creationId xmlns:a16="http://schemas.microsoft.com/office/drawing/2014/main" id="{DD7BE7F2-26D0-DF2F-110F-75B89AE18942}"/>
-              </a:ext>
-            </a:extLst>
-          </p:cNvPr>
-          <p:cNvPicPr>
-            <a:picLocks noChangeAspect="1" noChangeArrowheads="1"/>
-          </p:cNvPicPr>
-          <p:nvPr/>
-        </p:nvPicPr>
-        <p:blipFill>
-          <a:blip r:embed="rId2">
-            <a:extLst>
-              <a:ext uri="{28A0092B-C50C-407E-A947-70E740481C1C}">
-                <a14:useLocalDpi xmlns:a14="http://schemas.microsoft.com/office/drawing/2010/main" val="0"/>
-              </a:ext>
-            </a:extLst>
-          </a:blip>
-          <a:srcRect/>
-          <a:stretch>
-            <a:fillRect/>
-          </a:stretch>
-        </p:blipFill>
-        <p:spPr bwMode="auto">
-          <a:xfrm>
-            <a:off x="7397527" y="2872934"/>
-            <a:ext cx="1138585" cy="1388518"/>
-          </a:xfrm>
-          <a:prstGeom prst="rect">
-            <a:avLst/>
-          </a:prstGeom>
-          <a:noFill/>
-          <a:extLst>
-            <a:ext uri="{909E8E84-426E-40DD-AFC4-6F175D3DCCD1}">
-              <a14:hiddenFill xmlns:a14="http://schemas.microsoft.com/office/drawing/2010/main">
-                <a:solidFill>
-                  <a:srgbClr val="FFFFFF"/>
-                </a:solidFill>
-              </a14:hiddenFill>
-            </a:ext>
-          </a:extLst>
-        </p:spPr>
-      </p:pic>
-      <p:pic>
-        <p:nvPicPr>
-          <p:cNvPr id="5" name="Picture 4" descr="パソコンを使うサラリーマンのイラスト">
-            <a:extLst>
-              <a:ext uri="{FF2B5EF4-FFF2-40B4-BE49-F238E27FC236}">
-                <a16:creationId xmlns:a16="http://schemas.microsoft.com/office/drawing/2014/main" id="{F90C815B-1A3F-933D-143D-F7BEBCF602C4}"/>
-              </a:ext>
-            </a:extLst>
-          </p:cNvPr>
-          <p:cNvPicPr>
-            <a:picLocks noChangeAspect="1" noChangeArrowheads="1"/>
-          </p:cNvPicPr>
-          <p:nvPr/>
-        </p:nvPicPr>
-        <p:blipFill>
-          <a:blip r:embed="rId3">
-            <a:extLst>
-              <a:ext uri="{28A0092B-C50C-407E-A947-70E740481C1C}">
-                <a14:useLocalDpi xmlns:a14="http://schemas.microsoft.com/office/drawing/2010/main" val="0"/>
-              </a:ext>
-            </a:extLst>
-          </a:blip>
-          <a:srcRect/>
-          <a:stretch>
-            <a:fillRect/>
-          </a:stretch>
-        </p:blipFill>
-        <p:spPr bwMode="auto">
-          <a:xfrm>
-            <a:off x="323528" y="2845982"/>
-            <a:ext cx="1452580" cy="1459880"/>
-          </a:xfrm>
-          <a:prstGeom prst="rect">
-            <a:avLst/>
-          </a:prstGeom>
-          <a:noFill/>
-          <a:extLst>
-            <a:ext uri="{909E8E84-426E-40DD-AFC4-6F175D3DCCD1}">
-              <a14:hiddenFill xmlns:a14="http://schemas.microsoft.com/office/drawing/2010/main">
-                <a:solidFill>
-                  <a:srgbClr val="FFFFFF"/>
-                </a:solidFill>
-              </a14:hiddenFill>
-            </a:ext>
-          </a:extLst>
-        </p:spPr>
-      </p:pic>
-      <p:pic>
-        <p:nvPicPr>
-          <p:cNvPr id="6" name="Picture 6" descr="会社で働く人のイラスト（男性）">
-            <a:extLst>
-              <a:ext uri="{FF2B5EF4-FFF2-40B4-BE49-F238E27FC236}">
-                <a16:creationId xmlns:a16="http://schemas.microsoft.com/office/drawing/2014/main" id="{E4FDF1D1-F75E-9A8A-F260-38BC34E8FF56}"/>
-              </a:ext>
-            </a:extLst>
-          </p:cNvPr>
-          <p:cNvPicPr>
-            <a:picLocks noChangeAspect="1" noChangeArrowheads="1"/>
-          </p:cNvPicPr>
-          <p:nvPr/>
-        </p:nvPicPr>
-        <p:blipFill>
-          <a:blip r:embed="rId4">
-            <a:extLst>
-              <a:ext uri="{28A0092B-C50C-407E-A947-70E740481C1C}">
-                <a14:useLocalDpi xmlns:a14="http://schemas.microsoft.com/office/drawing/2010/main" val="0"/>
-              </a:ext>
-            </a:extLst>
-          </a:blip>
-          <a:srcRect/>
-          <a:stretch>
-            <a:fillRect/>
-          </a:stretch>
-        </p:blipFill>
-        <p:spPr bwMode="auto">
-          <a:xfrm>
-            <a:off x="3791440" y="2890393"/>
-            <a:ext cx="1371059" cy="1371059"/>
-          </a:xfrm>
-          <a:prstGeom prst="rect">
-            <a:avLst/>
-          </a:prstGeom>
-          <a:noFill/>
-          <a:extLst>
-            <a:ext uri="{909E8E84-426E-40DD-AFC4-6F175D3DCCD1}">
-              <a14:hiddenFill xmlns:a14="http://schemas.microsoft.com/office/drawing/2010/main">
-                <a:solidFill>
-                  <a:srgbClr val="FFFFFF"/>
-                </a:solidFill>
-              </a14:hiddenFill>
-            </a:ext>
-          </a:extLst>
-        </p:spPr>
-      </p:pic>
-      <p:sp>
-        <p:nvSpPr>
-          <p:cNvPr id="7" name="右矢印 6">
-            <a:extLst>
-              <a:ext uri="{FF2B5EF4-FFF2-40B4-BE49-F238E27FC236}">
-                <a16:creationId xmlns:a16="http://schemas.microsoft.com/office/drawing/2014/main" id="{C740C68F-B8B0-D995-B1E4-7E33B2D3A33C}"/>
+          <p:cNvPr id="25" name="角丸四角形吹き出し 24">
+            <a:extLst>
+              <a:ext uri="{FF2B5EF4-FFF2-40B4-BE49-F238E27FC236}">
+                <a16:creationId xmlns:a16="http://schemas.microsoft.com/office/drawing/2014/main" id="{B34E0747-3A52-D595-A706-75CDC3BE37E1}"/>
               </a:ext>
             </a:extLst>
           </p:cNvPr>
@@ -6895,14 +7514,18 @@
         </p:nvSpPr>
         <p:spPr>
           <a:xfrm>
-            <a:off x="1776108" y="2996952"/>
-            <a:ext cx="1715772" cy="432048"/>
-          </a:xfrm>
-          <a:prstGeom prst="rightArrow">
-            <a:avLst/>
+            <a:off x="3961298" y="4420268"/>
+            <a:ext cx="1351714" cy="562954"/>
+          </a:xfrm>
+          <a:prstGeom prst="wedgeRoundRectCallout">
+            <a:avLst>
+              <a:gd name="adj1" fmla="val -28149"/>
+              <a:gd name="adj2" fmla="val -75605"/>
+              <a:gd name="adj3" fmla="val 16667"/>
+            </a:avLst>
           </a:prstGeom>
           <a:solidFill>
-            <a:srgbClr val="FF0000"/>
+            <a:schemeClr val="bg1"/>
           </a:solidFill>
           <a:ln>
             <a:solidFill>
@@ -6937,10 +7560,61 @@
       </p:sp>
       <p:sp>
         <p:nvSpPr>
-          <p:cNvPr id="8" name="右矢印 7">
-            <a:extLst>
-              <a:ext uri="{FF2B5EF4-FFF2-40B4-BE49-F238E27FC236}">
-                <a16:creationId xmlns:a16="http://schemas.microsoft.com/office/drawing/2014/main" id="{A500EE46-934C-F645-BA96-CEBFC3C5D1D5}"/>
+          <p:cNvPr id="26" name="テキスト ボックス 25">
+            <a:extLst>
+              <a:ext uri="{FF2B5EF4-FFF2-40B4-BE49-F238E27FC236}">
+                <a16:creationId xmlns:a16="http://schemas.microsoft.com/office/drawing/2014/main" id="{54C46BC0-6382-F22D-ABB2-77583CA86E70}"/>
+              </a:ext>
+            </a:extLst>
+          </p:cNvPr>
+          <p:cNvSpPr txBox="1"/>
+          <p:nvPr/>
+        </p:nvSpPr>
+        <p:spPr>
+          <a:xfrm>
+            <a:off x="4064445" y="4470912"/>
+            <a:ext cx="1210588" cy="461665"/>
+          </a:xfrm>
+          <a:prstGeom prst="rect">
+            <a:avLst/>
+          </a:prstGeom>
+          <a:noFill/>
+        </p:spPr>
+        <p:txBody>
+          <a:bodyPr wrap="none" rtlCol="0">
+            <a:spAutoFit/>
+          </a:bodyPr>
+          <a:lstStyle/>
+          <a:p>
+            <a:r>
+              <a:rPr kumimoji="1" lang="ja-JP" altLang="en-US" sz="1200"/>
+              <a:t>それは</a:t>
+            </a:r>
+            <a:r>
+              <a:rPr kumimoji="1" lang="en-US" altLang="ja-JP" sz="1200" dirty="0"/>
+              <a:t>X</a:t>
+            </a:r>
+            <a:r>
+              <a:rPr kumimoji="1" lang="ja-JP" altLang="en-US" sz="1200"/>
+              <a:t>だから</a:t>
+            </a:r>
+            <a:endParaRPr kumimoji="1" lang="en-US" altLang="ja-JP" sz="1200" dirty="0"/>
+          </a:p>
+          <a:p>
+            <a:r>
+              <a:rPr lang="ja-JP" altLang="en-US" sz="1200"/>
+              <a:t>だそうです</a:t>
+            </a:r>
+            <a:endParaRPr kumimoji="1" lang="ja-JP" altLang="en-US" sz="1200"/>
+          </a:p>
+        </p:txBody>
+      </p:sp>
+      <p:sp>
+        <p:nvSpPr>
+          <p:cNvPr id="21" name="角丸四角形吹き出し 20">
+            <a:extLst>
+              <a:ext uri="{FF2B5EF4-FFF2-40B4-BE49-F238E27FC236}">
+                <a16:creationId xmlns:a16="http://schemas.microsoft.com/office/drawing/2014/main" id="{B1B9C3F1-3F66-21CF-C465-2399F820E4F3}"/>
               </a:ext>
             </a:extLst>
           </p:cNvPr>
@@ -6949,14 +7623,18 @@
         </p:nvSpPr>
         <p:spPr>
           <a:xfrm>
-            <a:off x="5652120" y="2996952"/>
-            <a:ext cx="1715772" cy="432048"/>
-          </a:xfrm>
-          <a:prstGeom prst="rightArrow">
-            <a:avLst/>
+            <a:off x="4161605" y="2209135"/>
+            <a:ext cx="1351714" cy="562954"/>
+          </a:xfrm>
+          <a:prstGeom prst="wedgeRoundRectCallout">
+            <a:avLst>
+              <a:gd name="adj1" fmla="val -33786"/>
+              <a:gd name="adj2" fmla="val 65553"/>
+              <a:gd name="adj3" fmla="val 16667"/>
+            </a:avLst>
           </a:prstGeom>
           <a:solidFill>
-            <a:srgbClr val="FF0000"/>
+            <a:schemeClr val="bg1"/>
           </a:solidFill>
           <a:ln>
             <a:solidFill>
@@ -6991,10 +7669,10 @@
       </p:sp>
       <p:sp>
         <p:nvSpPr>
-          <p:cNvPr id="9" name="テキスト ボックス 8">
-            <a:extLst>
-              <a:ext uri="{FF2B5EF4-FFF2-40B4-BE49-F238E27FC236}">
-                <a16:creationId xmlns:a16="http://schemas.microsoft.com/office/drawing/2014/main" id="{22100EDD-947B-D4F9-4A12-AB871ABDD65F}"/>
+          <p:cNvPr id="22" name="テキスト ボックス 21">
+            <a:extLst>
+              <a:ext uri="{FF2B5EF4-FFF2-40B4-BE49-F238E27FC236}">
+                <a16:creationId xmlns:a16="http://schemas.microsoft.com/office/drawing/2014/main" id="{6B708F99-1ECE-9A55-847B-F0AB761BCCDA}"/>
               </a:ext>
             </a:extLst>
           </p:cNvPr>
@@ -7003,8 +7681,8 @@
         </p:nvSpPr>
         <p:spPr>
           <a:xfrm>
-            <a:off x="2035282" y="2555269"/>
-            <a:ext cx="646331" cy="369332"/>
+            <a:off x="4232168" y="2230272"/>
+            <a:ext cx="1210588" cy="461665"/>
           </a:xfrm>
           <a:prstGeom prst="rect">
             <a:avLst/>
@@ -7018,53 +7696,210 @@
           <a:lstStyle/>
           <a:p>
             <a:r>
-              <a:rPr kumimoji="1" lang="ja-JP" altLang="en-US"/>
-              <a:t>質問</a:t>
-            </a:r>
-          </a:p>
-        </p:txBody>
-      </p:sp>
-      <p:sp>
-        <p:nvSpPr>
-          <p:cNvPr id="10" name="テキスト ボックス 9">
-            <a:extLst>
-              <a:ext uri="{FF2B5EF4-FFF2-40B4-BE49-F238E27FC236}">
-                <a16:creationId xmlns:a16="http://schemas.microsoft.com/office/drawing/2014/main" id="{B6D18C06-8A3A-9DF4-6BCB-5CD6F5AD5ACD}"/>
-              </a:ext>
-            </a:extLst>
-          </p:cNvPr>
-          <p:cNvSpPr txBox="1"/>
-          <p:nvPr/>
-        </p:nvSpPr>
-        <p:spPr>
-          <a:xfrm>
-            <a:off x="5910122" y="2564904"/>
-            <a:ext cx="877163" cy="369332"/>
-          </a:xfrm>
-          <a:prstGeom prst="rect">
-            <a:avLst/>
-          </a:prstGeom>
-          <a:noFill/>
-        </p:spPr>
-        <p:txBody>
-          <a:bodyPr wrap="none" rtlCol="0">
-            <a:spAutoFit/>
-          </a:bodyPr>
-          <a:lstStyle/>
-          <a:p>
-            <a:r>
-              <a:rPr kumimoji="1" lang="ja-JP" altLang="en-US"/>
-              <a:t>丸投げ</a:t>
-            </a:r>
-          </a:p>
-        </p:txBody>
-      </p:sp>
-      <p:sp>
-        <p:nvSpPr>
-          <p:cNvPr id="11" name="右矢印 10">
-            <a:extLst>
-              <a:ext uri="{FF2B5EF4-FFF2-40B4-BE49-F238E27FC236}">
-                <a16:creationId xmlns:a16="http://schemas.microsoft.com/office/drawing/2014/main" id="{7E237168-7076-382C-5E13-C6F3FA311C74}"/>
+              <a:rPr lang="ja-JP" altLang="en-US" sz="1200"/>
+              <a:t>なぜ</a:t>
+            </a:r>
+            <a:r>
+              <a:rPr lang="en-US" altLang="ja-JP" sz="1200" dirty="0"/>
+              <a:t>A</a:t>
+            </a:r>
+            <a:r>
+              <a:rPr lang="ja-JP" altLang="en-US" sz="1200"/>
+              <a:t>ではなく</a:t>
+            </a:r>
+            <a:endParaRPr lang="en-US" altLang="ja-JP" sz="1200" dirty="0"/>
+          </a:p>
+          <a:p>
+            <a:r>
+              <a:rPr kumimoji="1" lang="en-US" altLang="ja-JP" sz="1200" dirty="0"/>
+              <a:t>B</a:t>
+            </a:r>
+            <a:r>
+              <a:rPr kumimoji="1" lang="ja-JP" altLang="en-US" sz="1200"/>
+              <a:t>なのですか？</a:t>
+            </a:r>
+          </a:p>
+        </p:txBody>
+      </p:sp>
+      <p:sp>
+        <p:nvSpPr>
+          <p:cNvPr id="2" name="テキスト プレースホルダー 1">
+            <a:extLst>
+              <a:ext uri="{FF2B5EF4-FFF2-40B4-BE49-F238E27FC236}">
+                <a16:creationId xmlns:a16="http://schemas.microsoft.com/office/drawing/2014/main" id="{2183ABE7-A949-BECC-8DD1-21F8C607EC07}"/>
+              </a:ext>
+            </a:extLst>
+          </p:cNvPr>
+          <p:cNvSpPr>
+            <a:spLocks noGrp="1"/>
+          </p:cNvSpPr>
+          <p:nvPr>
+            <p:ph type="body" sz="quarter" idx="10"/>
+          </p:nvPr>
+        </p:nvSpPr>
+        <p:spPr/>
+        <p:txBody>
+          <a:bodyPr/>
+          <a:lstStyle/>
+          <a:p>
+            <a:r>
+              <a:rPr lang="en-US" altLang="ja-JP" dirty="0"/>
+              <a:t>AI</a:t>
+            </a:r>
+            <a:r>
+              <a:rPr lang="ja-JP" altLang="en-US"/>
+              <a:t>と仕事</a:t>
+            </a:r>
+          </a:p>
+        </p:txBody>
+      </p:sp>
+      <p:pic>
+        <p:nvPicPr>
+          <p:cNvPr id="4" name="Picture 2" descr="玩具のロボットのイラスト（青）">
+            <a:extLst>
+              <a:ext uri="{FF2B5EF4-FFF2-40B4-BE49-F238E27FC236}">
+                <a16:creationId xmlns:a16="http://schemas.microsoft.com/office/drawing/2014/main" id="{DD7BE7F2-26D0-DF2F-110F-75B89AE18942}"/>
+              </a:ext>
+            </a:extLst>
+          </p:cNvPr>
+          <p:cNvPicPr>
+            <a:picLocks noChangeAspect="1" noChangeArrowheads="1"/>
+          </p:cNvPicPr>
+          <p:nvPr/>
+        </p:nvPicPr>
+        <p:blipFill>
+          <a:blip r:embed="rId2">
+            <a:extLst>
+              <a:ext uri="{28A0092B-C50C-407E-A947-70E740481C1C}">
+                <a14:useLocalDpi xmlns:a14="http://schemas.microsoft.com/office/drawing/2010/main" val="0"/>
+              </a:ext>
+            </a:extLst>
+          </a:blip>
+          <a:srcRect/>
+          <a:stretch>
+            <a:fillRect/>
+          </a:stretch>
+        </p:blipFill>
+        <p:spPr bwMode="auto">
+          <a:xfrm>
+            <a:off x="7397527" y="2872934"/>
+            <a:ext cx="1138585" cy="1388518"/>
+          </a:xfrm>
+          <a:prstGeom prst="rect">
+            <a:avLst/>
+          </a:prstGeom>
+          <a:noFill/>
+          <a:extLst>
+            <a:ext uri="{909E8E84-426E-40DD-AFC4-6F175D3DCCD1}">
+              <a14:hiddenFill xmlns:a14="http://schemas.microsoft.com/office/drawing/2010/main">
+                <a:solidFill>
+                  <a:srgbClr val="FFFFFF"/>
+                </a:solidFill>
+              </a14:hiddenFill>
+            </a:ext>
+          </a:extLst>
+        </p:spPr>
+      </p:pic>
+      <p:pic>
+        <p:nvPicPr>
+          <p:cNvPr id="5" name="Picture 4" descr="パソコンを使うサラリーマンのイラスト">
+            <a:extLst>
+              <a:ext uri="{FF2B5EF4-FFF2-40B4-BE49-F238E27FC236}">
+                <a16:creationId xmlns:a16="http://schemas.microsoft.com/office/drawing/2014/main" id="{F90C815B-1A3F-933D-143D-F7BEBCF602C4}"/>
+              </a:ext>
+            </a:extLst>
+          </p:cNvPr>
+          <p:cNvPicPr>
+            <a:picLocks noChangeAspect="1" noChangeArrowheads="1"/>
+          </p:cNvPicPr>
+          <p:nvPr/>
+        </p:nvPicPr>
+        <p:blipFill>
+          <a:blip r:embed="rId3">
+            <a:extLst>
+              <a:ext uri="{28A0092B-C50C-407E-A947-70E740481C1C}">
+                <a14:useLocalDpi xmlns:a14="http://schemas.microsoft.com/office/drawing/2010/main" val="0"/>
+              </a:ext>
+            </a:extLst>
+          </a:blip>
+          <a:srcRect/>
+          <a:stretch>
+            <a:fillRect/>
+          </a:stretch>
+        </p:blipFill>
+        <p:spPr bwMode="auto">
+          <a:xfrm>
+            <a:off x="323528" y="2845982"/>
+            <a:ext cx="1452580" cy="1459880"/>
+          </a:xfrm>
+          <a:prstGeom prst="rect">
+            <a:avLst/>
+          </a:prstGeom>
+          <a:noFill/>
+          <a:extLst>
+            <a:ext uri="{909E8E84-426E-40DD-AFC4-6F175D3DCCD1}">
+              <a14:hiddenFill xmlns:a14="http://schemas.microsoft.com/office/drawing/2010/main">
+                <a:solidFill>
+                  <a:srgbClr val="FFFFFF"/>
+                </a:solidFill>
+              </a14:hiddenFill>
+            </a:ext>
+          </a:extLst>
+        </p:spPr>
+      </p:pic>
+      <p:pic>
+        <p:nvPicPr>
+          <p:cNvPr id="6" name="Picture 6" descr="会社で働く人のイラスト（男性）">
+            <a:extLst>
+              <a:ext uri="{FF2B5EF4-FFF2-40B4-BE49-F238E27FC236}">
+                <a16:creationId xmlns:a16="http://schemas.microsoft.com/office/drawing/2014/main" id="{E4FDF1D1-F75E-9A8A-F260-38BC34E8FF56}"/>
+              </a:ext>
+            </a:extLst>
+          </p:cNvPr>
+          <p:cNvPicPr>
+            <a:picLocks noChangeAspect="1" noChangeArrowheads="1"/>
+          </p:cNvPicPr>
+          <p:nvPr/>
+        </p:nvPicPr>
+        <p:blipFill>
+          <a:blip r:embed="rId4">
+            <a:extLst>
+              <a:ext uri="{28A0092B-C50C-407E-A947-70E740481C1C}">
+                <a14:useLocalDpi xmlns:a14="http://schemas.microsoft.com/office/drawing/2010/main" val="0"/>
+              </a:ext>
+            </a:extLst>
+          </a:blip>
+          <a:srcRect/>
+          <a:stretch>
+            <a:fillRect/>
+          </a:stretch>
+        </p:blipFill>
+        <p:spPr bwMode="auto">
+          <a:xfrm>
+            <a:off x="3791440" y="2890393"/>
+            <a:ext cx="1371059" cy="1371059"/>
+          </a:xfrm>
+          <a:prstGeom prst="rect">
+            <a:avLst/>
+          </a:prstGeom>
+          <a:noFill/>
+          <a:extLst>
+            <a:ext uri="{909E8E84-426E-40DD-AFC4-6F175D3DCCD1}">
+              <a14:hiddenFill xmlns:a14="http://schemas.microsoft.com/office/drawing/2010/main">
+                <a:solidFill>
+                  <a:srgbClr val="FFFFFF"/>
+                </a:solidFill>
+              </a14:hiddenFill>
+            </a:ext>
+          </a:extLst>
+        </p:spPr>
+      </p:pic>
+      <p:sp>
+        <p:nvSpPr>
+          <p:cNvPr id="7" name="右矢印 6">
+            <a:extLst>
+              <a:ext uri="{FF2B5EF4-FFF2-40B4-BE49-F238E27FC236}">
+                <a16:creationId xmlns:a16="http://schemas.microsoft.com/office/drawing/2014/main" id="{C740C68F-B8B0-D995-B1E4-7E33B2D3A33C}"/>
               </a:ext>
             </a:extLst>
           </p:cNvPr>
@@ -7072,8 +7907,8 @@
           <p:nvPr/>
         </p:nvSpPr>
         <p:spPr>
-          <a:xfrm rot="10800000">
-            <a:off x="5580112" y="3575922"/>
+          <a:xfrm>
+            <a:off x="1776108" y="2996952"/>
             <a:ext cx="1715772" cy="432048"/>
           </a:xfrm>
           <a:prstGeom prst="rightArrow">
@@ -7115,45 +7950,10 @@
       </p:sp>
       <p:sp>
         <p:nvSpPr>
-          <p:cNvPr id="12" name="テキスト ボックス 11">
-            <a:extLst>
-              <a:ext uri="{FF2B5EF4-FFF2-40B4-BE49-F238E27FC236}">
-                <a16:creationId xmlns:a16="http://schemas.microsoft.com/office/drawing/2014/main" id="{25D4482A-0B7A-0DED-D11E-CB10712D8093}"/>
-              </a:ext>
-            </a:extLst>
-          </p:cNvPr>
-          <p:cNvSpPr txBox="1"/>
-          <p:nvPr/>
-        </p:nvSpPr>
-        <p:spPr>
-          <a:xfrm>
-            <a:off x="6311989" y="4100879"/>
-            <a:ext cx="646331" cy="369332"/>
-          </a:xfrm>
-          <a:prstGeom prst="rect">
-            <a:avLst/>
-          </a:prstGeom>
-          <a:noFill/>
-        </p:spPr>
-        <p:txBody>
-          <a:bodyPr wrap="none" rtlCol="0">
-            <a:spAutoFit/>
-          </a:bodyPr>
-          <a:lstStyle/>
-          <a:p>
-            <a:r>
-              <a:rPr kumimoji="1" lang="ja-JP" altLang="en-US"/>
-              <a:t>回答</a:t>
-            </a:r>
-          </a:p>
-        </p:txBody>
-      </p:sp>
-      <p:sp>
-        <p:nvSpPr>
-          <p:cNvPr id="13" name="右矢印 12">
-            <a:extLst>
-              <a:ext uri="{FF2B5EF4-FFF2-40B4-BE49-F238E27FC236}">
-                <a16:creationId xmlns:a16="http://schemas.microsoft.com/office/drawing/2014/main" id="{8EC874E6-C251-28FA-8CC1-24F21640529B}"/>
+          <p:cNvPr id="8" name="右矢印 7">
+            <a:extLst>
+              <a:ext uri="{FF2B5EF4-FFF2-40B4-BE49-F238E27FC236}">
+                <a16:creationId xmlns:a16="http://schemas.microsoft.com/office/drawing/2014/main" id="{A500EE46-934C-F645-BA96-CEBFC3C5D1D5}"/>
               </a:ext>
             </a:extLst>
           </p:cNvPr>
@@ -7161,8 +7961,8 @@
           <p:nvPr/>
         </p:nvSpPr>
         <p:spPr>
-          <a:xfrm rot="10800000">
-            <a:off x="1733748" y="3726065"/>
+          <a:xfrm>
+            <a:off x="5652120" y="2996952"/>
             <a:ext cx="1715772" cy="432048"/>
           </a:xfrm>
           <a:prstGeom prst="rightArrow">
@@ -7204,10 +8004,10 @@
       </p:sp>
       <p:sp>
         <p:nvSpPr>
-          <p:cNvPr id="14" name="テキスト ボックス 13">
-            <a:extLst>
-              <a:ext uri="{FF2B5EF4-FFF2-40B4-BE49-F238E27FC236}">
-                <a16:creationId xmlns:a16="http://schemas.microsoft.com/office/drawing/2014/main" id="{0CBC7412-0D1D-5F13-D8E7-4E6D224D5087}"/>
+          <p:cNvPr id="9" name="テキスト ボックス 8">
+            <a:extLst>
+              <a:ext uri="{FF2B5EF4-FFF2-40B4-BE49-F238E27FC236}">
+                <a16:creationId xmlns:a16="http://schemas.microsoft.com/office/drawing/2014/main" id="{22100EDD-947B-D4F9-4A12-AB871ABDD65F}"/>
               </a:ext>
             </a:extLst>
           </p:cNvPr>
@@ -7216,8 +8016,8 @@
         </p:nvSpPr>
         <p:spPr>
           <a:xfrm>
-            <a:off x="1896783" y="4142924"/>
-            <a:ext cx="1569660" cy="369332"/>
+            <a:off x="2035282" y="2555269"/>
+            <a:ext cx="646331" cy="369332"/>
           </a:xfrm>
           <a:prstGeom prst="rect">
             <a:avLst/>
@@ -7232,111 +8032,52 @@
           <a:p>
             <a:r>
               <a:rPr kumimoji="1" lang="ja-JP" altLang="en-US"/>
-              <a:t>そのままパス</a:t>
-            </a:r>
-          </a:p>
-        </p:txBody>
-      </p:sp>
-      <p:pic>
-        <p:nvPicPr>
-          <p:cNvPr id="15" name="Picture 8" descr="書類とペンのイラスト">
-            <a:extLst>
-              <a:ext uri="{FF2B5EF4-FFF2-40B4-BE49-F238E27FC236}">
-                <a16:creationId xmlns:a16="http://schemas.microsoft.com/office/drawing/2014/main" id="{8F71F462-2854-25EE-2C98-5A0DD66976D9}"/>
-              </a:ext>
-            </a:extLst>
-          </p:cNvPr>
-          <p:cNvPicPr>
-            <a:picLocks noChangeAspect="1" noChangeArrowheads="1"/>
-          </p:cNvPicPr>
-          <p:nvPr/>
-        </p:nvPicPr>
-        <p:blipFill>
-          <a:blip r:embed="rId5">
-            <a:extLst>
-              <a:ext uri="{28A0092B-C50C-407E-A947-70E740481C1C}">
-                <a14:useLocalDpi xmlns:a14="http://schemas.microsoft.com/office/drawing/2010/main" val="0"/>
-              </a:ext>
-            </a:extLst>
-          </a:blip>
-          <a:srcRect/>
-          <a:stretch>
-            <a:fillRect/>
-          </a:stretch>
-        </p:blipFill>
-        <p:spPr bwMode="auto">
-          <a:xfrm>
-            <a:off x="6345592" y="4512256"/>
-            <a:ext cx="695649" cy="695649"/>
-          </a:xfrm>
-          <a:prstGeom prst="rect">
-            <a:avLst/>
-          </a:prstGeom>
-          <a:noFill/>
-          <a:extLst>
-            <a:ext uri="{909E8E84-426E-40DD-AFC4-6F175D3DCCD1}">
-              <a14:hiddenFill xmlns:a14="http://schemas.microsoft.com/office/drawing/2010/main">
-                <a:solidFill>
-                  <a:srgbClr val="FFFFFF"/>
-                </a:solidFill>
-              </a14:hiddenFill>
-            </a:ext>
-          </a:extLst>
-        </p:spPr>
-      </p:pic>
-      <p:pic>
-        <p:nvPicPr>
-          <p:cNvPr id="16" name="Picture 8" descr="書類とペンのイラスト">
-            <a:extLst>
-              <a:ext uri="{FF2B5EF4-FFF2-40B4-BE49-F238E27FC236}">
-                <a16:creationId xmlns:a16="http://schemas.microsoft.com/office/drawing/2014/main" id="{C8ABA852-02C4-17F8-99C5-6DF604BE153F}"/>
-              </a:ext>
-            </a:extLst>
-          </p:cNvPr>
-          <p:cNvPicPr>
-            <a:picLocks noChangeAspect="1" noChangeArrowheads="1"/>
-          </p:cNvPicPr>
-          <p:nvPr/>
-        </p:nvPicPr>
-        <p:blipFill>
-          <a:blip r:embed="rId5">
-            <a:extLst>
-              <a:ext uri="{28A0092B-C50C-407E-A947-70E740481C1C}">
-                <a14:useLocalDpi xmlns:a14="http://schemas.microsoft.com/office/drawing/2010/main" val="0"/>
-              </a:ext>
-            </a:extLst>
-          </a:blip>
-          <a:srcRect/>
-          <a:stretch>
-            <a:fillRect/>
-          </a:stretch>
-        </p:blipFill>
-        <p:spPr bwMode="auto">
-          <a:xfrm>
-            <a:off x="2286169" y="4530849"/>
-            <a:ext cx="695649" cy="695649"/>
-          </a:xfrm>
-          <a:prstGeom prst="rect">
-            <a:avLst/>
-          </a:prstGeom>
-          <a:noFill/>
-          <a:extLst>
-            <a:ext uri="{909E8E84-426E-40DD-AFC4-6F175D3DCCD1}">
-              <a14:hiddenFill xmlns:a14="http://schemas.microsoft.com/office/drawing/2010/main">
-                <a:solidFill>
-                  <a:srgbClr val="FFFFFF"/>
-                </a:solidFill>
-              </a14:hiddenFill>
-            </a:ext>
-          </a:extLst>
-        </p:spPr>
-      </p:pic>
-      <p:sp>
-        <p:nvSpPr>
-          <p:cNvPr id="17" name="角丸四角形 16">
-            <a:extLst>
-              <a:ext uri="{FF2B5EF4-FFF2-40B4-BE49-F238E27FC236}">
-                <a16:creationId xmlns:a16="http://schemas.microsoft.com/office/drawing/2014/main" id="{BE7179A7-C908-A605-ECDC-73DBDB030987}"/>
+              <a:t>質問</a:t>
+            </a:r>
+          </a:p>
+        </p:txBody>
+      </p:sp>
+      <p:sp>
+        <p:nvSpPr>
+          <p:cNvPr id="10" name="テキスト ボックス 9">
+            <a:extLst>
+              <a:ext uri="{FF2B5EF4-FFF2-40B4-BE49-F238E27FC236}">
+                <a16:creationId xmlns:a16="http://schemas.microsoft.com/office/drawing/2014/main" id="{B6D18C06-8A3A-9DF4-6BCB-5CD6F5AD5ACD}"/>
+              </a:ext>
+            </a:extLst>
+          </p:cNvPr>
+          <p:cNvSpPr txBox="1"/>
+          <p:nvPr/>
+        </p:nvSpPr>
+        <p:spPr>
+          <a:xfrm>
+            <a:off x="5910122" y="2564904"/>
+            <a:ext cx="877163" cy="369332"/>
+          </a:xfrm>
+          <a:prstGeom prst="rect">
+            <a:avLst/>
+          </a:prstGeom>
+          <a:noFill/>
+        </p:spPr>
+        <p:txBody>
+          <a:bodyPr wrap="none" rtlCol="0">
+            <a:spAutoFit/>
+          </a:bodyPr>
+          <a:lstStyle/>
+          <a:p>
+            <a:r>
+              <a:rPr kumimoji="1" lang="ja-JP" altLang="en-US"/>
+              <a:t>丸投げ</a:t>
+            </a:r>
+          </a:p>
+        </p:txBody>
+      </p:sp>
+      <p:sp>
+        <p:nvSpPr>
+          <p:cNvPr id="11" name="右矢印 10">
+            <a:extLst>
+              <a:ext uri="{FF2B5EF4-FFF2-40B4-BE49-F238E27FC236}">
+                <a16:creationId xmlns:a16="http://schemas.microsoft.com/office/drawing/2014/main" id="{7E237168-7076-382C-5E13-C6F3FA311C74}"/>
               </a:ext>
             </a:extLst>
           </p:cNvPr>
@@ -7344,19 +8085,20 @@
           <p:nvPr/>
         </p:nvSpPr>
         <p:spPr>
-          <a:xfrm>
-            <a:off x="3564701" y="2479579"/>
-            <a:ext cx="1850360" cy="2385899"/>
-          </a:xfrm>
-          <a:prstGeom prst="roundRect">
-            <a:avLst/>
-          </a:prstGeom>
-          <a:noFill/>
-          <a:ln w="38100">
+          <a:xfrm rot="10800000">
+            <a:off x="5580112" y="3575922"/>
+            <a:ext cx="1715772" cy="432048"/>
+          </a:xfrm>
+          <a:prstGeom prst="rightArrow">
+            <a:avLst/>
+          </a:prstGeom>
+          <a:solidFill>
+            <a:srgbClr val="FF0000"/>
+          </a:solidFill>
+          <a:ln>
             <a:solidFill>
-              <a:srgbClr val="FF0000"/>
+              <a:schemeClr val="tx1"/>
             </a:solidFill>
-            <a:prstDash val="dash"/>
           </a:ln>
         </p:spPr>
         <p:style>
@@ -7384,12 +8126,136 @@
           </a:p>
         </p:txBody>
       </p:sp>
+      <p:sp>
+        <p:nvSpPr>
+          <p:cNvPr id="12" name="テキスト ボックス 11">
+            <a:extLst>
+              <a:ext uri="{FF2B5EF4-FFF2-40B4-BE49-F238E27FC236}">
+                <a16:creationId xmlns:a16="http://schemas.microsoft.com/office/drawing/2014/main" id="{25D4482A-0B7A-0DED-D11E-CB10712D8093}"/>
+              </a:ext>
+            </a:extLst>
+          </p:cNvPr>
+          <p:cNvSpPr txBox="1"/>
+          <p:nvPr/>
+        </p:nvSpPr>
+        <p:spPr>
+          <a:xfrm>
+            <a:off x="6311989" y="4100879"/>
+            <a:ext cx="646331" cy="369332"/>
+          </a:xfrm>
+          <a:prstGeom prst="rect">
+            <a:avLst/>
+          </a:prstGeom>
+          <a:noFill/>
+        </p:spPr>
+        <p:txBody>
+          <a:bodyPr wrap="none" rtlCol="0">
+            <a:spAutoFit/>
+          </a:bodyPr>
+          <a:lstStyle/>
+          <a:p>
+            <a:r>
+              <a:rPr kumimoji="1" lang="ja-JP" altLang="en-US"/>
+              <a:t>回答</a:t>
+            </a:r>
+          </a:p>
+        </p:txBody>
+      </p:sp>
+      <p:sp>
+        <p:nvSpPr>
+          <p:cNvPr id="13" name="右矢印 12">
+            <a:extLst>
+              <a:ext uri="{FF2B5EF4-FFF2-40B4-BE49-F238E27FC236}">
+                <a16:creationId xmlns:a16="http://schemas.microsoft.com/office/drawing/2014/main" id="{8EC874E6-C251-28FA-8CC1-24F21640529B}"/>
+              </a:ext>
+            </a:extLst>
+          </p:cNvPr>
+          <p:cNvSpPr/>
+          <p:nvPr/>
+        </p:nvSpPr>
+        <p:spPr>
+          <a:xfrm rot="10800000">
+            <a:off x="1733748" y="3726065"/>
+            <a:ext cx="1715772" cy="432048"/>
+          </a:xfrm>
+          <a:prstGeom prst="rightArrow">
+            <a:avLst/>
+          </a:prstGeom>
+          <a:solidFill>
+            <a:srgbClr val="FF0000"/>
+          </a:solidFill>
+          <a:ln>
+            <a:solidFill>
+              <a:schemeClr val="tx1"/>
+            </a:solidFill>
+          </a:ln>
+        </p:spPr>
+        <p:style>
+          <a:lnRef idx="2">
+            <a:schemeClr val="accent1">
+              <a:shade val="50000"/>
+            </a:schemeClr>
+          </a:lnRef>
+          <a:fillRef idx="1">
+            <a:schemeClr val="accent1"/>
+          </a:fillRef>
+          <a:effectRef idx="0">
+            <a:schemeClr val="accent1"/>
+          </a:effectRef>
+          <a:fontRef idx="minor">
+            <a:schemeClr val="lt1"/>
+          </a:fontRef>
+        </p:style>
+        <p:txBody>
+          <a:bodyPr rtlCol="0" anchor="ctr"/>
+          <a:lstStyle/>
+          <a:p>
+            <a:pPr algn="ctr"/>
+            <a:endParaRPr kumimoji="1" lang="ja-JP" altLang="en-US"/>
+          </a:p>
+        </p:txBody>
+      </p:sp>
+      <p:sp>
+        <p:nvSpPr>
+          <p:cNvPr id="14" name="テキスト ボックス 13">
+            <a:extLst>
+              <a:ext uri="{FF2B5EF4-FFF2-40B4-BE49-F238E27FC236}">
+                <a16:creationId xmlns:a16="http://schemas.microsoft.com/office/drawing/2014/main" id="{0CBC7412-0D1D-5F13-D8E7-4E6D224D5087}"/>
+              </a:ext>
+            </a:extLst>
+          </p:cNvPr>
+          <p:cNvSpPr txBox="1"/>
+          <p:nvPr/>
+        </p:nvSpPr>
+        <p:spPr>
+          <a:xfrm>
+            <a:off x="1896783" y="4142924"/>
+            <a:ext cx="1569660" cy="369332"/>
+          </a:xfrm>
+          <a:prstGeom prst="rect">
+            <a:avLst/>
+          </a:prstGeom>
+          <a:noFill/>
+        </p:spPr>
+        <p:txBody>
+          <a:bodyPr wrap="none" rtlCol="0">
+            <a:spAutoFit/>
+          </a:bodyPr>
+          <a:lstStyle/>
+          <a:p>
+            <a:r>
+              <a:rPr kumimoji="1" lang="ja-JP" altLang="en-US"/>
+              <a:t>そのままパス</a:t>
+            </a:r>
+          </a:p>
+        </p:txBody>
+      </p:sp>
       <p:pic>
         <p:nvPicPr>
-          <p:cNvPr id="8194" name="Picture 2" descr="指の数え方のイラスト「2」">
-            <a:extLst>
-              <a:ext uri="{FF2B5EF4-FFF2-40B4-BE49-F238E27FC236}">
-                <a16:creationId xmlns:a16="http://schemas.microsoft.com/office/drawing/2014/main" id="{1548734B-31D4-4045-9F36-F2EA3EA6DBB7}"/>
+          <p:cNvPr id="15" name="Picture 8" descr="書類とペンのイラスト">
+            <a:extLst>
+              <a:ext uri="{FF2B5EF4-FFF2-40B4-BE49-F238E27FC236}">
+                <a16:creationId xmlns:a16="http://schemas.microsoft.com/office/drawing/2014/main" id="{8F71F462-2854-25EE-2C98-5A0DD66976D9}"/>
               </a:ext>
             </a:extLst>
           </p:cNvPr>
@@ -7399,7 +8265,7 @@
           <p:nvPr/>
         </p:nvPicPr>
         <p:blipFill>
-          <a:blip r:embed="rId6">
+          <a:blip r:embed="rId5">
             <a:extLst>
               <a:ext uri="{28A0092B-C50C-407E-A947-70E740481C1C}">
                 <a14:useLocalDpi xmlns:a14="http://schemas.microsoft.com/office/drawing/2010/main" val="0"/>
@@ -7412,9 +8278,9 @@
           </a:stretch>
         </p:blipFill>
         <p:spPr bwMode="auto">
-          <a:xfrm rot="3029134">
-            <a:off x="2884386" y="4805465"/>
-            <a:ext cx="869598" cy="1019060"/>
+          <a:xfrm>
+            <a:off x="6345592" y="4512256"/>
+            <a:ext cx="695649" cy="695649"/>
           </a:xfrm>
           <a:prstGeom prst="rect">
             <a:avLst/>
@@ -7431,6 +8297,153 @@
           </a:extLst>
         </p:spPr>
       </p:pic>
+      <p:pic>
+        <p:nvPicPr>
+          <p:cNvPr id="16" name="Picture 8" descr="書類とペンのイラスト">
+            <a:extLst>
+              <a:ext uri="{FF2B5EF4-FFF2-40B4-BE49-F238E27FC236}">
+                <a16:creationId xmlns:a16="http://schemas.microsoft.com/office/drawing/2014/main" id="{C8ABA852-02C4-17F8-99C5-6DF604BE153F}"/>
+              </a:ext>
+            </a:extLst>
+          </p:cNvPr>
+          <p:cNvPicPr>
+            <a:picLocks noChangeAspect="1" noChangeArrowheads="1"/>
+          </p:cNvPicPr>
+          <p:nvPr/>
+        </p:nvPicPr>
+        <p:blipFill>
+          <a:blip r:embed="rId5">
+            <a:extLst>
+              <a:ext uri="{28A0092B-C50C-407E-A947-70E740481C1C}">
+                <a14:useLocalDpi xmlns:a14="http://schemas.microsoft.com/office/drawing/2010/main" val="0"/>
+              </a:ext>
+            </a:extLst>
+          </a:blip>
+          <a:srcRect/>
+          <a:stretch>
+            <a:fillRect/>
+          </a:stretch>
+        </p:blipFill>
+        <p:spPr bwMode="auto">
+          <a:xfrm>
+            <a:off x="2286169" y="4530849"/>
+            <a:ext cx="695649" cy="695649"/>
+          </a:xfrm>
+          <a:prstGeom prst="rect">
+            <a:avLst/>
+          </a:prstGeom>
+          <a:noFill/>
+          <a:extLst>
+            <a:ext uri="{909E8E84-426E-40DD-AFC4-6F175D3DCCD1}">
+              <a14:hiddenFill xmlns:a14="http://schemas.microsoft.com/office/drawing/2010/main">
+                <a:solidFill>
+                  <a:srgbClr val="FFFFFF"/>
+                </a:solidFill>
+              </a14:hiddenFill>
+            </a:ext>
+          </a:extLst>
+        </p:spPr>
+      </p:pic>
+      <p:sp>
+        <p:nvSpPr>
+          <p:cNvPr id="17" name="角丸四角形 16">
+            <a:extLst>
+              <a:ext uri="{FF2B5EF4-FFF2-40B4-BE49-F238E27FC236}">
+                <a16:creationId xmlns:a16="http://schemas.microsoft.com/office/drawing/2014/main" id="{BE7179A7-C908-A605-ECDC-73DBDB030987}"/>
+              </a:ext>
+            </a:extLst>
+          </p:cNvPr>
+          <p:cNvSpPr/>
+          <p:nvPr/>
+        </p:nvSpPr>
+        <p:spPr>
+          <a:xfrm>
+            <a:off x="3564701" y="2060849"/>
+            <a:ext cx="2011695" cy="3024336"/>
+          </a:xfrm>
+          <a:prstGeom prst="roundRect">
+            <a:avLst/>
+          </a:prstGeom>
+          <a:noFill/>
+          <a:ln w="38100">
+            <a:solidFill>
+              <a:srgbClr val="FF0000"/>
+            </a:solidFill>
+            <a:prstDash val="dash"/>
+          </a:ln>
+        </p:spPr>
+        <p:style>
+          <a:lnRef idx="2">
+            <a:schemeClr val="accent1">
+              <a:shade val="50000"/>
+            </a:schemeClr>
+          </a:lnRef>
+          <a:fillRef idx="1">
+            <a:schemeClr val="accent1"/>
+          </a:fillRef>
+          <a:effectRef idx="0">
+            <a:schemeClr val="accent1"/>
+          </a:effectRef>
+          <a:fontRef idx="minor">
+            <a:schemeClr val="lt1"/>
+          </a:fontRef>
+        </p:style>
+        <p:txBody>
+          <a:bodyPr rtlCol="0" anchor="ctr"/>
+          <a:lstStyle/>
+          <a:p>
+            <a:pPr algn="ctr"/>
+            <a:endParaRPr kumimoji="1" lang="ja-JP" altLang="en-US"/>
+          </a:p>
+        </p:txBody>
+      </p:sp>
+      <p:pic>
+        <p:nvPicPr>
+          <p:cNvPr id="8194" name="Picture 2" descr="指の数え方のイラスト「2」">
+            <a:extLst>
+              <a:ext uri="{FF2B5EF4-FFF2-40B4-BE49-F238E27FC236}">
+                <a16:creationId xmlns:a16="http://schemas.microsoft.com/office/drawing/2014/main" id="{1548734B-31D4-4045-9F36-F2EA3EA6DBB7}"/>
+              </a:ext>
+            </a:extLst>
+          </p:cNvPr>
+          <p:cNvPicPr>
+            <a:picLocks noChangeAspect="1" noChangeArrowheads="1"/>
+          </p:cNvPicPr>
+          <p:nvPr/>
+        </p:nvPicPr>
+        <p:blipFill>
+          <a:blip r:embed="rId6">
+            <a:extLst>
+              <a:ext uri="{28A0092B-C50C-407E-A947-70E740481C1C}">
+                <a14:useLocalDpi xmlns:a14="http://schemas.microsoft.com/office/drawing/2010/main" val="0"/>
+              </a:ext>
+            </a:extLst>
+          </a:blip>
+          <a:srcRect/>
+          <a:stretch>
+            <a:fillRect/>
+          </a:stretch>
+        </p:blipFill>
+        <p:spPr bwMode="auto">
+          <a:xfrm rot="3029134">
+            <a:off x="2839719" y="5133325"/>
+            <a:ext cx="869598" cy="1019060"/>
+          </a:xfrm>
+          <a:prstGeom prst="rect">
+            <a:avLst/>
+          </a:prstGeom>
+          <a:noFill/>
+          <a:extLst>
+            <a:ext uri="{909E8E84-426E-40DD-AFC4-6F175D3DCCD1}">
+              <a14:hiddenFill xmlns:a14="http://schemas.microsoft.com/office/drawing/2010/main">
+                <a:solidFill>
+                  <a:srgbClr val="FFFFFF"/>
+                </a:solidFill>
+              </a14:hiddenFill>
+            </a:ext>
+          </a:extLst>
+        </p:spPr>
+      </p:pic>
       <p:sp>
         <p:nvSpPr>
           <p:cNvPr id="18" name="テキスト ボックス 17">
@@ -7445,7 +8458,7 @@
         </p:nvSpPr>
         <p:spPr>
           <a:xfrm>
-            <a:off x="1211400" y="5994768"/>
+            <a:off x="1215340" y="6209585"/>
             <a:ext cx="4698722" cy="584775"/>
           </a:xfrm>
           <a:prstGeom prst="rect">
@@ -7506,6 +8519,219 @@
               <a:rPr kumimoji="1" lang="ja-JP" altLang="en-US" sz="2400"/>
               <a:t>に聞くことになる</a:t>
             </a:r>
+          </a:p>
+        </p:txBody>
+      </p:sp>
+      <p:sp>
+        <p:nvSpPr>
+          <p:cNvPr id="3" name="角丸四角形吹き出し 2">
+            <a:extLst>
+              <a:ext uri="{FF2B5EF4-FFF2-40B4-BE49-F238E27FC236}">
+                <a16:creationId xmlns:a16="http://schemas.microsoft.com/office/drawing/2014/main" id="{22A232FA-0222-EBCE-458D-28774962760B}"/>
+              </a:ext>
+            </a:extLst>
+          </p:cNvPr>
+          <p:cNvSpPr/>
+          <p:nvPr/>
+        </p:nvSpPr>
+        <p:spPr>
+          <a:xfrm>
+            <a:off x="683568" y="2283028"/>
+            <a:ext cx="1351714" cy="562954"/>
+          </a:xfrm>
+          <a:prstGeom prst="wedgeRoundRectCallout">
+            <a:avLst>
+              <a:gd name="adj1" fmla="val -33786"/>
+              <a:gd name="adj2" fmla="val 65553"/>
+              <a:gd name="adj3" fmla="val 16667"/>
+            </a:avLst>
+          </a:prstGeom>
+          <a:solidFill>
+            <a:schemeClr val="bg1"/>
+          </a:solidFill>
+          <a:ln>
+            <a:solidFill>
+              <a:schemeClr val="tx1"/>
+            </a:solidFill>
+          </a:ln>
+        </p:spPr>
+        <p:style>
+          <a:lnRef idx="2">
+            <a:schemeClr val="accent1">
+              <a:shade val="50000"/>
+            </a:schemeClr>
+          </a:lnRef>
+          <a:fillRef idx="1">
+            <a:schemeClr val="accent1"/>
+          </a:fillRef>
+          <a:effectRef idx="0">
+            <a:schemeClr val="accent1"/>
+          </a:effectRef>
+          <a:fontRef idx="minor">
+            <a:schemeClr val="lt1"/>
+          </a:fontRef>
+        </p:style>
+        <p:txBody>
+          <a:bodyPr rtlCol="0" anchor="ctr"/>
+          <a:lstStyle/>
+          <a:p>
+            <a:pPr algn="ctr"/>
+            <a:endParaRPr kumimoji="1" lang="ja-JP" altLang="en-US"/>
+          </a:p>
+        </p:txBody>
+      </p:sp>
+      <p:sp>
+        <p:nvSpPr>
+          <p:cNvPr id="20" name="テキスト ボックス 19">
+            <a:extLst>
+              <a:ext uri="{FF2B5EF4-FFF2-40B4-BE49-F238E27FC236}">
+                <a16:creationId xmlns:a16="http://schemas.microsoft.com/office/drawing/2014/main" id="{0F7BC364-B19F-CA95-3AAB-E89BFF345139}"/>
+              </a:ext>
+            </a:extLst>
+          </p:cNvPr>
+          <p:cNvSpPr txBox="1"/>
+          <p:nvPr/>
+        </p:nvSpPr>
+        <p:spPr>
+          <a:xfrm>
+            <a:off x="754131" y="2304165"/>
+            <a:ext cx="1210588" cy="461665"/>
+          </a:xfrm>
+          <a:prstGeom prst="rect">
+            <a:avLst/>
+          </a:prstGeom>
+          <a:noFill/>
+        </p:spPr>
+        <p:txBody>
+          <a:bodyPr wrap="none" rtlCol="0">
+            <a:spAutoFit/>
+          </a:bodyPr>
+          <a:lstStyle/>
+          <a:p>
+            <a:r>
+              <a:rPr lang="ja-JP" altLang="en-US" sz="1200"/>
+              <a:t>なぜ</a:t>
+            </a:r>
+            <a:r>
+              <a:rPr lang="en-US" altLang="ja-JP" sz="1200" dirty="0"/>
+              <a:t>A</a:t>
+            </a:r>
+            <a:r>
+              <a:rPr lang="ja-JP" altLang="en-US" sz="1200"/>
+              <a:t>ではなく</a:t>
+            </a:r>
+            <a:endParaRPr lang="en-US" altLang="ja-JP" sz="1200" dirty="0"/>
+          </a:p>
+          <a:p>
+            <a:r>
+              <a:rPr kumimoji="1" lang="en-US" altLang="ja-JP" sz="1200" dirty="0"/>
+              <a:t>B</a:t>
+            </a:r>
+            <a:r>
+              <a:rPr kumimoji="1" lang="ja-JP" altLang="en-US" sz="1200"/>
+              <a:t>なのですか？</a:t>
+            </a:r>
+          </a:p>
+        </p:txBody>
+      </p:sp>
+      <p:sp>
+        <p:nvSpPr>
+          <p:cNvPr id="23" name="四角形吹き出し 22">
+            <a:extLst>
+              <a:ext uri="{FF2B5EF4-FFF2-40B4-BE49-F238E27FC236}">
+                <a16:creationId xmlns:a16="http://schemas.microsoft.com/office/drawing/2014/main" id="{60569E4A-BC8B-0516-33D2-E9FC554B030B}"/>
+              </a:ext>
+            </a:extLst>
+          </p:cNvPr>
+          <p:cNvSpPr/>
+          <p:nvPr/>
+        </p:nvSpPr>
+        <p:spPr>
+          <a:xfrm>
+            <a:off x="7397528" y="4509822"/>
+            <a:ext cx="1518364" cy="453502"/>
+          </a:xfrm>
+          <a:prstGeom prst="wedgeRectCallout">
+            <a:avLst>
+              <a:gd name="adj1" fmla="val -20833"/>
+              <a:gd name="adj2" fmla="val -96918"/>
+            </a:avLst>
+          </a:prstGeom>
+          <a:solidFill>
+            <a:schemeClr val="bg1"/>
+          </a:solidFill>
+          <a:ln>
+            <a:solidFill>
+              <a:schemeClr val="tx1"/>
+            </a:solidFill>
+          </a:ln>
+        </p:spPr>
+        <p:style>
+          <a:lnRef idx="2">
+            <a:schemeClr val="accent1">
+              <a:shade val="50000"/>
+            </a:schemeClr>
+          </a:lnRef>
+          <a:fillRef idx="1">
+            <a:schemeClr val="accent1"/>
+          </a:fillRef>
+          <a:effectRef idx="0">
+            <a:schemeClr val="accent1"/>
+          </a:effectRef>
+          <a:fontRef idx="minor">
+            <a:schemeClr val="lt1"/>
+          </a:fontRef>
+        </p:style>
+        <p:txBody>
+          <a:bodyPr rtlCol="0" anchor="ctr"/>
+          <a:lstStyle/>
+          <a:p>
+            <a:pPr algn="ctr"/>
+            <a:endParaRPr kumimoji="1" lang="ja-JP" altLang="en-US"/>
+          </a:p>
+        </p:txBody>
+      </p:sp>
+      <p:sp>
+        <p:nvSpPr>
+          <p:cNvPr id="24" name="テキスト ボックス 23">
+            <a:extLst>
+              <a:ext uri="{FF2B5EF4-FFF2-40B4-BE49-F238E27FC236}">
+                <a16:creationId xmlns:a16="http://schemas.microsoft.com/office/drawing/2014/main" id="{7260DB77-AA3E-9EFE-055C-04A4304A394C}"/>
+              </a:ext>
+            </a:extLst>
+          </p:cNvPr>
+          <p:cNvSpPr txBox="1"/>
+          <p:nvPr/>
+        </p:nvSpPr>
+        <p:spPr>
+          <a:xfrm>
+            <a:off x="7397527" y="4548213"/>
+            <a:ext cx="1518364" cy="276999"/>
+          </a:xfrm>
+          <a:prstGeom prst="rect">
+            <a:avLst/>
+          </a:prstGeom>
+          <a:noFill/>
+        </p:spPr>
+        <p:txBody>
+          <a:bodyPr wrap="none" rtlCol="0">
+            <a:spAutoFit/>
+          </a:bodyPr>
+          <a:lstStyle/>
+          <a:p>
+            <a:r>
+              <a:rPr lang="ja-JP" altLang="en-US" sz="1200"/>
+              <a:t>それは</a:t>
+            </a:r>
+            <a:r>
+              <a:rPr lang="en-US" altLang="ja-JP" sz="1200" dirty="0"/>
+              <a:t>X</a:t>
+            </a:r>
+            <a:r>
+              <a:rPr lang="ja-JP" altLang="en-US" sz="1200"/>
+              <a:t>だからです</a:t>
+            </a:r>
+            <a:endParaRPr kumimoji="1" lang="ja-JP" altLang="en-US" sz="1200"/>
           </a:p>
         </p:txBody>
       </p:sp>

--- a/generative_ai/generative_ai_and_us.pptx
+++ b/generative_ai/generative_ai_and_us.pptx
@@ -223,7 +223,7 @@
           <a:p>
             <a:fld id="{6B8D1B20-A248-FB47-8240-73C0C5F47C9D}" type="datetimeFigureOut">
               <a:rPr lang="ja-JP" altLang="en-US"/>
-              <a:t>2025/10/2</a:t>
+              <a:t>2025/10/3</a:t>
             </a:fld>
             <a:endParaRPr kumimoji="1" lang="ja-JP" altLang="en-US"/>
           </a:p>
@@ -3892,7 +3892,7 @@
         </p:nvSpPr>
         <p:spPr>
           <a:xfrm>
-            <a:off x="333499" y="3348884"/>
+            <a:off x="395536" y="2971825"/>
             <a:ext cx="8477001" cy="461665"/>
           </a:xfrm>
           <a:prstGeom prst="rect">
@@ -3936,7 +3936,7 @@
         </p:nvSpPr>
         <p:spPr>
           <a:xfrm>
-            <a:off x="251520" y="1255959"/>
+            <a:off x="176939" y="1006145"/>
             <a:ext cx="5907386" cy="584775"/>
           </a:xfrm>
           <a:prstGeom prst="rect">
@@ -3983,7 +3983,7 @@
         </p:nvSpPr>
         <p:spPr>
           <a:xfrm>
-            <a:off x="114902" y="1861722"/>
+            <a:off x="176939" y="1611908"/>
             <a:ext cx="8869086" cy="1323439"/>
           </a:xfrm>
           <a:prstGeom prst="rect">
@@ -4067,7 +4067,7 @@
         </p:nvSpPr>
         <p:spPr>
           <a:xfrm>
-            <a:off x="201283" y="4038968"/>
+            <a:off x="176939" y="3557553"/>
             <a:ext cx="7548861" cy="584775"/>
           </a:xfrm>
           <a:prstGeom prst="rect">
@@ -4119,7 +4119,7 @@
         </p:nvSpPr>
         <p:spPr>
           <a:xfrm>
-            <a:off x="304184" y="4700637"/>
+            <a:off x="176939" y="4211219"/>
             <a:ext cx="8349683" cy="1015663"/>
           </a:xfrm>
           <a:prstGeom prst="rect">
@@ -4202,7 +4202,7 @@
         </p:nvSpPr>
         <p:spPr>
           <a:xfrm>
-            <a:off x="357028" y="5949280"/>
+            <a:off x="395536" y="5382483"/>
             <a:ext cx="7571303" cy="461665"/>
           </a:xfrm>
           <a:prstGeom prst="rect">
@@ -4237,6 +4237,65 @@
               <a:rPr kumimoji="1" lang="ja-JP" altLang="en-US" sz="2400"/>
               <a:t>はなにか？」に答えられるようにする</a:t>
             </a:r>
+          </a:p>
+        </p:txBody>
+      </p:sp>
+      <p:sp>
+        <p:nvSpPr>
+          <p:cNvPr id="4" name="テキスト ボックス 3">
+            <a:extLst>
+              <a:ext uri="{FF2B5EF4-FFF2-40B4-BE49-F238E27FC236}">
+                <a16:creationId xmlns:a16="http://schemas.microsoft.com/office/drawing/2014/main" id="{2BDC0024-46AE-5775-1678-83052965BCCD}"/>
+              </a:ext>
+            </a:extLst>
+          </p:cNvPr>
+          <p:cNvSpPr txBox="1"/>
+          <p:nvPr/>
+        </p:nvSpPr>
+        <p:spPr>
+          <a:xfrm>
+            <a:off x="1399452" y="5999749"/>
+            <a:ext cx="5904656" cy="707886"/>
+          </a:xfrm>
+          <a:prstGeom prst="rect">
+            <a:avLst/>
+          </a:prstGeom>
+          <a:noFill/>
+        </p:spPr>
+        <p:txBody>
+          <a:bodyPr wrap="square" rtlCol="0">
+            <a:spAutoFit/>
+          </a:bodyPr>
+          <a:lstStyle/>
+          <a:p>
+            <a:r>
+              <a:rPr kumimoji="1" lang="ja-JP" altLang="en-US" sz="2000"/>
+              <a:t>「</a:t>
+            </a:r>
+            <a:r>
+              <a:rPr kumimoji="1" lang="en-US" altLang="ja-JP" sz="2000" dirty="0"/>
+              <a:t>AI</a:t>
+            </a:r>
+            <a:r>
+              <a:rPr kumimoji="1" lang="ja-JP" altLang="en-US" sz="2000"/>
+              <a:t>の出力にあなたが付加価値をつける」から</a:t>
+            </a:r>
+            <a:endParaRPr kumimoji="1" lang="en-US" altLang="ja-JP" sz="2000" dirty="0"/>
+          </a:p>
+          <a:p>
+            <a:r>
+              <a:rPr lang="ja-JP" altLang="en-US" sz="2000"/>
+              <a:t>「あなたに</a:t>
+            </a:r>
+            <a:r>
+              <a:rPr lang="en-US" altLang="ja-JP" sz="2000" dirty="0"/>
+              <a:t>AI</a:t>
+            </a:r>
+            <a:r>
+              <a:rPr lang="ja-JP" altLang="en-US" sz="2000"/>
+              <a:t>が付加価値をつける」状態へ</a:t>
+            </a:r>
+            <a:endParaRPr kumimoji="1" lang="ja-JP" altLang="en-US" sz="2000"/>
           </a:p>
         </p:txBody>
       </p:sp>
@@ -4456,7 +4515,7 @@
         </p:nvSpPr>
         <p:spPr>
           <a:xfrm>
-            <a:off x="1763688" y="5641384"/>
+            <a:off x="1619672" y="5629580"/>
             <a:ext cx="6647974" cy="830997"/>
           </a:xfrm>
           <a:prstGeom prst="rect">
